--- a/Projet ArchiWeb.pptx
+++ b/Projet ArchiWeb.pptx
@@ -224,7 +224,7 @@
           <a:p>
             <a:fld id="{BC09F416-0886-4053-A5EC-0C3686C8F540}" type="datetimeFigureOut">
               <a:rPr lang="fr-FR" smtClean="0"/>
-              <a:t>03/05/2015</a:t>
+              <a:t>05/05/2015</a:t>
             </a:fld>
             <a:endParaRPr lang="fr-FR"/>
           </a:p>
@@ -2203,7 +2203,7 @@
             </a:ln>
             <a:extLst>
               <a:ext uri="{91240B29-F687-4f45-9708-019B960494DF}">
-                <a14:hiddenLine xmlns:a14="http://schemas.microsoft.com/office/drawing/2010/main" xmlns="" w="9525">
+                <a14:hiddenLine xmlns="" xmlns:a14="http://schemas.microsoft.com/office/drawing/2010/main" w="9525">
                   <a:solidFill>
                     <a:srgbClr val="000000"/>
                   </a:solidFill>
@@ -2395,7 +2395,7 @@
           <a:p>
             <a:fld id="{ADAC99C4-8E01-44B8-BF87-7E5E51124DDE}" type="datetime1">
               <a:rPr lang="fr-FR" smtClean="0"/>
-              <a:t>03/05/2015</a:t>
+              <a:t>05/05/2015</a:t>
             </a:fld>
             <a:endParaRPr lang="fr-FR"/>
           </a:p>
@@ -3299,7 +3299,7 @@
             </a:ln>
             <a:extLst>
               <a:ext uri="{91240B29-F687-4f45-9708-019B960494DF}">
-                <a14:hiddenLine xmlns:a14="http://schemas.microsoft.com/office/drawing/2010/main" xmlns="" w="9525">
+                <a14:hiddenLine xmlns="" xmlns:a14="http://schemas.microsoft.com/office/drawing/2010/main" w="9525">
                   <a:solidFill>
                     <a:srgbClr val="000000"/>
                   </a:solidFill>
@@ -3513,7 +3513,7 @@
           <a:p>
             <a:fld id="{7DC59B23-5B9D-4C4D-86B7-23C0A5E55EA8}" type="datetime1">
               <a:rPr lang="fr-FR" smtClean="0"/>
-              <a:t>03/05/2015</a:t>
+              <a:t>05/05/2015</a:t>
             </a:fld>
             <a:endParaRPr lang="fr-FR"/>
           </a:p>
@@ -4395,7 +4395,7 @@
             </a:ln>
             <a:extLst>
               <a:ext uri="{91240B29-F687-4f45-9708-019B960494DF}">
-                <a14:hiddenLine xmlns:a14="http://schemas.microsoft.com/office/drawing/2010/main" xmlns="" w="9525">
+                <a14:hiddenLine xmlns="" xmlns:a14="http://schemas.microsoft.com/office/drawing/2010/main" w="9525">
                   <a:solidFill>
                     <a:srgbClr val="000000"/>
                   </a:solidFill>
@@ -4524,7 +4524,7 @@
           <a:p>
             <a:fld id="{EE6EE84C-8517-45A0-9F2A-3CBDEFEA3B75}" type="datetime1">
               <a:rPr lang="fr-FR" smtClean="0"/>
-              <a:t>03/05/2015</a:t>
+              <a:t>05/05/2015</a:t>
             </a:fld>
             <a:endParaRPr lang="fr-FR"/>
           </a:p>
@@ -5369,7 +5369,7 @@
             </a:ln>
             <a:extLst>
               <a:ext uri="{91240B29-F687-4f45-9708-019B960494DF}">
-                <a14:hiddenLine xmlns:a14="http://schemas.microsoft.com/office/drawing/2010/main" xmlns="" w="9525">
+                <a14:hiddenLine xmlns="" xmlns:a14="http://schemas.microsoft.com/office/drawing/2010/main" w="9525">
                   <a:solidFill>
                     <a:srgbClr val="000000"/>
                   </a:solidFill>
@@ -5656,7 +5656,7 @@
           <a:p>
             <a:fld id="{A884246A-39B3-434F-BE8E-69FDF8A27567}" type="datetime1">
               <a:rPr lang="fr-FR" smtClean="0"/>
-              <a:t>03/05/2015</a:t>
+              <a:t>05/05/2015</a:t>
             </a:fld>
             <a:endParaRPr lang="fr-FR"/>
           </a:p>
@@ -6501,7 +6501,7 @@
             </a:ln>
             <a:extLst>
               <a:ext uri="{91240B29-F687-4f45-9708-019B960494DF}">
-                <a14:hiddenLine xmlns:a14="http://schemas.microsoft.com/office/drawing/2010/main" xmlns="" w="9525">
+                <a14:hiddenLine xmlns="" xmlns:a14="http://schemas.microsoft.com/office/drawing/2010/main" w="9525">
                   <a:solidFill>
                     <a:srgbClr val="000000"/>
                   </a:solidFill>
@@ -6682,7 +6682,7 @@
           <a:p>
             <a:fld id="{A8C7D36C-E06F-41DF-AE5C-1EE7FA383D94}" type="datetime1">
               <a:rPr lang="fr-FR" smtClean="0"/>
-              <a:t>03/05/2015</a:t>
+              <a:t>05/05/2015</a:t>
             </a:fld>
             <a:endParaRPr lang="fr-FR"/>
           </a:p>
@@ -7345,7 +7345,7 @@
           <a:p>
             <a:fld id="{B235A5B4-8A17-44C7-9CCF-D22AD24BE522}" type="datetime1">
               <a:rPr lang="fr-FR" smtClean="0"/>
-              <a:t>03/05/2015</a:t>
+              <a:t>05/05/2015</a:t>
             </a:fld>
             <a:endParaRPr lang="fr-FR"/>
           </a:p>
@@ -8209,7 +8209,7 @@
           <a:p>
             <a:fld id="{78AD86EA-4900-42A9-835D-33002B561F13}" type="datetime1">
               <a:rPr lang="fr-FR" smtClean="0"/>
-              <a:t>03/05/2015</a:t>
+              <a:t>05/05/2015</a:t>
             </a:fld>
             <a:endParaRPr lang="fr-FR"/>
           </a:p>
@@ -8391,7 +8391,7 @@
           <a:p>
             <a:fld id="{4CF6CE58-502C-428E-A921-3AA02FD63C13}" type="datetime1">
               <a:rPr lang="fr-FR" smtClean="0"/>
-              <a:t>03/05/2015</a:t>
+              <a:t>05/05/2015</a:t>
             </a:fld>
             <a:endParaRPr lang="fr-FR"/>
           </a:p>
@@ -9233,7 +9233,7 @@
             </a:ln>
             <a:extLst>
               <a:ext uri="{91240B29-F687-4f45-9708-019B960494DF}">
-                <a14:hiddenLine xmlns:a14="http://schemas.microsoft.com/office/drawing/2010/main" xmlns="" w="9525">
+                <a14:hiddenLine xmlns="" xmlns:a14="http://schemas.microsoft.com/office/drawing/2010/main" w="9525">
                   <a:solidFill>
                     <a:srgbClr val="000000"/>
                   </a:solidFill>
@@ -9348,7 +9348,7 @@
           <a:p>
             <a:fld id="{89C31A5F-229B-4FE1-BD09-E4DFF13B382B}" type="datetime1">
               <a:rPr lang="fr-FR" smtClean="0"/>
-              <a:t>03/05/2015</a:t>
+              <a:t>05/05/2015</a:t>
             </a:fld>
             <a:endParaRPr lang="fr-FR"/>
           </a:p>
@@ -9566,7 +9566,7 @@
           <a:p>
             <a:fld id="{4E541B0E-B67C-4BCA-8529-DBDDF39D6655}" type="datetime1">
               <a:rPr lang="fr-FR" smtClean="0"/>
-              <a:t>03/05/2015</a:t>
+              <a:t>05/05/2015</a:t>
             </a:fld>
             <a:endParaRPr lang="fr-FR"/>
           </a:p>
@@ -10417,7 +10417,7 @@
             </a:ln>
             <a:extLst>
               <a:ext uri="{91240B29-F687-4f45-9708-019B960494DF}">
-                <a14:hiddenLine xmlns:a14="http://schemas.microsoft.com/office/drawing/2010/main" xmlns="" w="9525">
+                <a14:hiddenLine xmlns="" xmlns:a14="http://schemas.microsoft.com/office/drawing/2010/main" w="9525">
                   <a:solidFill>
                     <a:srgbClr val="000000"/>
                   </a:solidFill>
@@ -10596,7 +10596,7 @@
           <a:p>
             <a:fld id="{BD26D508-A57F-4945-B14B-3DA84BE84BE2}" type="datetime1">
               <a:rPr lang="fr-FR" smtClean="0"/>
-              <a:t>03/05/2015</a:t>
+              <a:t>05/05/2015</a:t>
             </a:fld>
             <a:endParaRPr lang="fr-FR"/>
           </a:p>
@@ -10889,7 +10889,7 @@
           <a:p>
             <a:fld id="{CC53505D-CD31-4E55-AC17-98DEFF9C52F3}" type="datetime1">
               <a:rPr lang="fr-FR" smtClean="0"/>
-              <a:t>03/05/2015</a:t>
+              <a:t>05/05/2015</a:t>
             </a:fld>
             <a:endParaRPr lang="fr-FR"/>
           </a:p>
@@ -11292,7 +11292,7 @@
           <a:p>
             <a:fld id="{79C5DBB3-4A62-40F3-9CF7-65E9615911EA}" type="datetime1">
               <a:rPr lang="fr-FR" smtClean="0"/>
-              <a:t>03/05/2015</a:t>
+              <a:t>05/05/2015</a:t>
             </a:fld>
             <a:endParaRPr lang="fr-FR"/>
           </a:p>
@@ -11431,7 +11431,7 @@
           <a:p>
             <a:fld id="{DF5FCF1E-29DD-4031-B331-FC06DA335852}" type="datetime1">
               <a:rPr lang="fr-FR" smtClean="0"/>
-              <a:t>03/05/2015</a:t>
+              <a:t>05/05/2015</a:t>
             </a:fld>
             <a:endParaRPr lang="fr-FR"/>
           </a:p>
@@ -11547,7 +11547,7 @@
           <a:p>
             <a:fld id="{3C782B79-9974-4C0F-8713-E4D407BAD776}" type="datetime1">
               <a:rPr lang="fr-FR" smtClean="0"/>
-              <a:t>03/05/2015</a:t>
+              <a:t>05/05/2015</a:t>
             </a:fld>
             <a:endParaRPr lang="fr-FR"/>
           </a:p>
@@ -12425,7 +12425,7 @@
             </a:ln>
             <a:extLst>
               <a:ext uri="{91240B29-F687-4f45-9708-019B960494DF}">
-                <a14:hiddenLine xmlns:a14="http://schemas.microsoft.com/office/drawing/2010/main" xmlns="" w="9525">
+                <a14:hiddenLine xmlns="" xmlns:a14="http://schemas.microsoft.com/office/drawing/2010/main" w="9525">
                   <a:solidFill>
                     <a:srgbClr val="000000"/>
                   </a:solidFill>
@@ -12615,7 +12615,7 @@
           <a:p>
             <a:fld id="{160FCF7D-245B-4430-9975-684B12858759}" type="datetime1">
               <a:rPr lang="fr-FR" smtClean="0"/>
-              <a:t>03/05/2015</a:t>
+              <a:t>05/05/2015</a:t>
             </a:fld>
             <a:endParaRPr lang="fr-FR"/>
           </a:p>
@@ -13493,7 +13493,7 @@
             </a:ln>
             <a:extLst>
               <a:ext uri="{91240B29-F687-4f45-9708-019B960494DF}">
-                <a14:hiddenLine xmlns:a14="http://schemas.microsoft.com/office/drawing/2010/main" xmlns="" w="9525">
+                <a14:hiddenLine xmlns="" xmlns:a14="http://schemas.microsoft.com/office/drawing/2010/main" w="9525">
                   <a:solidFill>
                     <a:srgbClr val="000000"/>
                   </a:solidFill>
@@ -13707,7 +13707,7 @@
           <a:p>
             <a:fld id="{B90FBB4C-B8EB-41F1-BC54-FF0641BC75F7}" type="datetime1">
               <a:rPr lang="fr-FR" smtClean="0"/>
-              <a:t>03/05/2015</a:t>
+              <a:t>05/05/2015</a:t>
             </a:fld>
             <a:endParaRPr lang="fr-FR"/>
           </a:p>
@@ -14553,7 +14553,7 @@
             </a:ln>
             <a:extLst>
               <a:ext uri="{91240B29-F687-4f45-9708-019B960494DF}">
-                <a14:hiddenLine xmlns:a14="http://schemas.microsoft.com/office/drawing/2010/main" xmlns="" w="9525">
+                <a14:hiddenLine xmlns="" xmlns:a14="http://schemas.microsoft.com/office/drawing/2010/main" w="9525">
                   <a:solidFill>
                     <a:srgbClr val="000000"/>
                   </a:solidFill>
@@ -14695,7 +14695,7 @@
           <a:p>
             <a:fld id="{43D07CCA-D5AF-4111-B145-D2488C2E4D53}" type="datetime1">
               <a:rPr lang="fr-FR" smtClean="0"/>
-              <a:t>03/05/2015</a:t>
+              <a:t>05/05/2015</a:t>
             </a:fld>
             <a:endParaRPr lang="fr-FR"/>
           </a:p>
@@ -15393,7 +15393,7 @@
             <a:pPr algn="ctr"/>
             <a:r>
               <a:rPr lang="fr-FR" dirty="0" smtClean="0"/>
-              <a:t>JPanel</a:t>
+              <a:t>Carte</a:t>
             </a:r>
             <a:endParaRPr lang="fr-FR" dirty="0"/>
           </a:p>
@@ -15427,13 +15427,10 @@
               </a:lnSpc>
             </a:pPr>
             <a:r>
-              <a:rPr lang="fr-FR" sz="2600" dirty="0"/>
-              <a:t>Invocation du Web </a:t>
+              <a:rPr lang="fr-FR" sz="2600" dirty="0" smtClean="0"/>
+              <a:t>Affiche la position de l’utilisateur</a:t>
             </a:r>
-            <a:r>
-              <a:rPr lang="fr-FR" sz="2600" dirty="0" smtClean="0"/>
-              <a:t>Service</a:t>
-            </a:r>
+            <a:endParaRPr lang="fr-FR" sz="2600" dirty="0" smtClean="0"/>
           </a:p>
           <a:p>
             <a:pPr>
@@ -15443,8 +15440,9 @@
             </a:pPr>
             <a:r>
               <a:rPr lang="fr-FR" sz="2600" dirty="0" smtClean="0"/>
-              <a:t>Affichage de la météo</a:t>
+              <a:t>Code couleur</a:t>
             </a:r>
+            <a:endParaRPr lang="fr-FR" sz="2600" dirty="0" smtClean="0"/>
           </a:p>
           <a:p>
             <a:pPr>
@@ -15454,8 +15452,9 @@
             </a:pPr>
             <a:r>
               <a:rPr lang="fr-FR" sz="2600" dirty="0" smtClean="0"/>
-              <a:t>Rafraichissement de la météo</a:t>
+              <a:t>Données dynamique</a:t>
             </a:r>
+            <a:endParaRPr lang="fr-FR" sz="2600" dirty="0" smtClean="0"/>
           </a:p>
         </p:txBody>
       </p:sp>
@@ -15476,7 +15475,7 @@
           <a:p>
             <a:fld id="{085FD05A-20CD-4E16-943E-E1FE616582DA}" type="datetime1">
               <a:rPr lang="fr-FR" smtClean="0"/>
-              <a:t>03/05/2015</a:t>
+              <a:t>05/05/2015</a:t>
             </a:fld>
             <a:endParaRPr lang="fr-FR"/>
           </a:p>
@@ -15918,7 +15917,7 @@
             <a:pPr algn="ctr"/>
             <a:r>
               <a:rPr lang="fr-FR" dirty="0" smtClean="0"/>
-              <a:t>Singleton</a:t>
+              <a:t>Géolocalisation</a:t>
             </a:r>
             <a:endParaRPr lang="fr-FR" dirty="0"/>
           </a:p>
@@ -15953,8 +15952,9 @@
             </a:pPr>
             <a:r>
               <a:rPr lang="fr-FR" sz="2600" dirty="0" smtClean="0"/>
-              <a:t>Dimensionnement de la fenêtre</a:t>
+              <a:t>Cible l’utilisateur</a:t>
             </a:r>
+            <a:endParaRPr lang="fr-FR" sz="2600" dirty="0" smtClean="0"/>
           </a:p>
           <a:p>
             <a:pPr>
@@ -15964,7 +15964,7 @@
             </a:pPr>
             <a:r>
               <a:rPr lang="fr-FR" sz="2600" dirty="0" smtClean="0"/>
-              <a:t>Définition de la dimension des JPanels </a:t>
+              <a:t>Adapte l’affichage par défaut</a:t>
             </a:r>
             <a:endParaRPr lang="fr-FR" sz="2600" dirty="0"/>
           </a:p>
@@ -15987,7 +15987,7 @@
           <a:p>
             <a:fld id="{1D95910D-665A-4C4F-ACC2-841BC889DD30}" type="datetime1">
               <a:rPr lang="fr-FR" smtClean="0"/>
-              <a:t>03/05/2015</a:t>
+              <a:t>05/05/2015</a:t>
             </a:fld>
             <a:endParaRPr lang="fr-FR"/>
           </a:p>
@@ -16332,9 +16332,78 @@
           </a:p>
         </p:txBody>
       </p:sp>
+      <p:sp>
+        <p:nvSpPr>
+          <p:cNvPr id="5" name="Espace réservé de la date 4"/>
+          <p:cNvSpPr>
+            <a:spLocks noGrp="1"/>
+          </p:cNvSpPr>
+          <p:nvPr>
+            <p:ph type="dt" sz="half" idx="10"/>
+          </p:nvPr>
+        </p:nvSpPr>
+        <p:spPr/>
+        <p:txBody>
+          <a:bodyPr/>
+          <a:lstStyle/>
+          <a:p>
+            <a:fld id="{DA225F1E-64B5-44F5-A4F1-16E50752F8CE}" type="datetime1">
+              <a:rPr lang="fr-FR" smtClean="0"/>
+              <a:t>05/05/2015</a:t>
+            </a:fld>
+            <a:endParaRPr lang="fr-FR"/>
+          </a:p>
+        </p:txBody>
+      </p:sp>
+      <p:sp>
+        <p:nvSpPr>
+          <p:cNvPr id="6" name="Espace réservé du pied de page 5"/>
+          <p:cNvSpPr>
+            <a:spLocks noGrp="1"/>
+          </p:cNvSpPr>
+          <p:nvPr>
+            <p:ph type="ftr" sz="quarter" idx="11"/>
+          </p:nvPr>
+        </p:nvSpPr>
+        <p:spPr/>
+        <p:txBody>
+          <a:bodyPr/>
+          <a:lstStyle/>
+          <a:p>
+            <a:r>
+              <a:rPr lang="fr-FR" dirty="0" smtClean="0"/>
+              <a:t>Bradai - Curtet - Morbois</a:t>
+            </a:r>
+            <a:endParaRPr lang="fr-FR" dirty="0"/>
+          </a:p>
+        </p:txBody>
+      </p:sp>
+      <p:sp>
+        <p:nvSpPr>
+          <p:cNvPr id="7" name="Espace réservé du numéro de diapositive 6"/>
+          <p:cNvSpPr>
+            <a:spLocks noGrp="1"/>
+          </p:cNvSpPr>
+          <p:nvPr>
+            <p:ph type="sldNum" sz="quarter" idx="4"/>
+          </p:nvPr>
+        </p:nvSpPr>
+        <p:spPr/>
+        <p:txBody>
+          <a:bodyPr/>
+          <a:lstStyle/>
+          <a:p>
+            <a:fld id="{857C6835-BC19-4786-ADE8-E52C5E396243}" type="slidenum">
+              <a:rPr lang="fr-FR" smtClean="0"/>
+              <a:t>12</a:t>
+            </a:fld>
+            <a:endParaRPr lang="fr-FR"/>
+          </a:p>
+        </p:txBody>
+      </p:sp>
       <p:pic>
         <p:nvPicPr>
-          <p:cNvPr id="4" name="Image 3"/>
+          <p:cNvPr id="8" name="Image 7"/>
           <p:cNvPicPr>
             <a:picLocks noChangeAspect="1"/>
           </p:cNvPicPr>
@@ -16354,83 +16423,14 @@
         </p:blipFill>
         <p:spPr>
           <a:xfrm>
-            <a:off x="1115616" y="2242327"/>
-            <a:ext cx="7200800" cy="4117819"/>
+            <a:off x="163540" y="2204864"/>
+            <a:ext cx="8754861" cy="4187314"/>
           </a:xfrm>
           <a:prstGeom prst="rect">
             <a:avLst/>
           </a:prstGeom>
         </p:spPr>
       </p:pic>
-      <p:sp>
-        <p:nvSpPr>
-          <p:cNvPr id="5" name="Espace réservé de la date 4"/>
-          <p:cNvSpPr>
-            <a:spLocks noGrp="1"/>
-          </p:cNvSpPr>
-          <p:nvPr>
-            <p:ph type="dt" sz="half" idx="10"/>
-          </p:nvPr>
-        </p:nvSpPr>
-        <p:spPr/>
-        <p:txBody>
-          <a:bodyPr/>
-          <a:lstStyle/>
-          <a:p>
-            <a:fld id="{DA225F1E-64B5-44F5-A4F1-16E50752F8CE}" type="datetime1">
-              <a:rPr lang="fr-FR" smtClean="0"/>
-              <a:t>03/05/2015</a:t>
-            </a:fld>
-            <a:endParaRPr lang="fr-FR"/>
-          </a:p>
-        </p:txBody>
-      </p:sp>
-      <p:sp>
-        <p:nvSpPr>
-          <p:cNvPr id="6" name="Espace réservé du pied de page 5"/>
-          <p:cNvSpPr>
-            <a:spLocks noGrp="1"/>
-          </p:cNvSpPr>
-          <p:nvPr>
-            <p:ph type="ftr" sz="quarter" idx="11"/>
-          </p:nvPr>
-        </p:nvSpPr>
-        <p:spPr/>
-        <p:txBody>
-          <a:bodyPr/>
-          <a:lstStyle/>
-          <a:p>
-            <a:r>
-              <a:rPr lang="fr-FR" dirty="0" smtClean="0"/>
-              <a:t>Bradai - Curtet - Morbois</a:t>
-            </a:r>
-            <a:endParaRPr lang="fr-FR" dirty="0"/>
-          </a:p>
-        </p:txBody>
-      </p:sp>
-      <p:sp>
-        <p:nvSpPr>
-          <p:cNvPr id="7" name="Espace réservé du numéro de diapositive 6"/>
-          <p:cNvSpPr>
-            <a:spLocks noGrp="1"/>
-          </p:cNvSpPr>
-          <p:nvPr>
-            <p:ph type="sldNum" sz="quarter" idx="4"/>
-          </p:nvPr>
-        </p:nvSpPr>
-        <p:spPr/>
-        <p:txBody>
-          <a:bodyPr/>
-          <a:lstStyle/>
-          <a:p>
-            <a:fld id="{857C6835-BC19-4786-ADE8-E52C5E396243}" type="slidenum">
-              <a:rPr lang="fr-FR" smtClean="0"/>
-              <a:t>12</a:t>
-            </a:fld>
-            <a:endParaRPr lang="fr-FR"/>
-          </a:p>
-        </p:txBody>
-      </p:sp>
     </p:spTree>
   </p:cSld>
   <p:clrMapOvr>
@@ -16640,8 +16640,9 @@
             </a:pPr>
             <a:r>
               <a:rPr lang="fr-FR" sz="2600" dirty="0" smtClean="0"/>
-              <a:t>Intégration du Web Service en Java</a:t>
+              <a:t>localisation</a:t>
             </a:r>
+            <a:endParaRPr lang="fr-FR" sz="2600" dirty="0" smtClean="0"/>
           </a:p>
           <a:p>
             <a:pPr>
@@ -16651,8 +16652,9 @@
             </a:pPr>
             <a:r>
               <a:rPr lang="fr-FR" sz="2600" dirty="0" smtClean="0"/>
-              <a:t>Dépendance à la connexion Internet</a:t>
+              <a:t>Intégration de la carte</a:t>
             </a:r>
+            <a:endParaRPr lang="fr-FR" sz="2600" dirty="0" smtClean="0"/>
           </a:p>
         </p:txBody>
       </p:sp>
@@ -16673,7 +16675,7 @@
           <a:p>
             <a:fld id="{63B0E3D7-03CA-4B72-8609-6CA0025593EE}" type="datetime1">
               <a:rPr lang="fr-FR" smtClean="0"/>
-              <a:t>03/05/2015</a:t>
+              <a:t>05/05/2015</a:t>
             </a:fld>
             <a:endParaRPr lang="fr-FR"/>
           </a:p>
@@ -17087,7 +17089,7 @@
           <a:p>
             <a:fld id="{4E541B0E-B67C-4BCA-8529-DBDDF39D6655}" type="datetime1">
               <a:rPr lang="fr-FR" smtClean="0"/>
-              <a:t>03/05/2015</a:t>
+              <a:t>05/05/2015</a:t>
             </a:fld>
             <a:endParaRPr lang="fr-FR"/>
           </a:p>
@@ -17608,7 +17610,7 @@
           <a:p>
             <a:fld id="{4E541B0E-B67C-4BCA-8529-DBDDF39D6655}" type="datetime1">
               <a:rPr lang="fr-FR" smtClean="0"/>
-              <a:t>03/05/2015</a:t>
+              <a:t>05/05/2015</a:t>
             </a:fld>
             <a:endParaRPr lang="fr-FR"/>
           </a:p>
@@ -18260,7 +18262,7 @@
           <a:p>
             <a:fld id="{EAC72660-62CB-488E-814B-245F87561A7A}" type="datetime1">
               <a:rPr lang="fr-FR" smtClean="0"/>
-              <a:t>03/05/2015</a:t>
+              <a:t>05/05/2015</a:t>
             </a:fld>
             <a:endParaRPr lang="fr-FR"/>
           </a:p>
@@ -18923,7 +18925,7 @@
           <a:p>
             <a:fld id="{F969197D-7BD6-480C-BF5E-EA88E78565F0}" type="datetime1">
               <a:rPr lang="fr-FR" smtClean="0"/>
-              <a:t>03/05/2015</a:t>
+              <a:t>05/05/2015</a:t>
             </a:fld>
             <a:endParaRPr lang="fr-FR"/>
           </a:p>
@@ -19443,7 +19445,7 @@
           <a:p>
             <a:fld id="{4E541B0E-B67C-4BCA-8529-DBDDF39D6655}" type="datetime1">
               <a:rPr lang="fr-FR" smtClean="0"/>
-              <a:t>03/05/2015</a:t>
+              <a:t>05/05/2015</a:t>
             </a:fld>
             <a:endParaRPr lang="fr-FR"/>
           </a:p>
@@ -19999,7 +20001,7 @@
           <a:p>
             <a:fld id="{F33C9540-F6FF-46A1-964F-B3EAD45A010F}" type="datetime1">
               <a:rPr lang="fr-FR" smtClean="0"/>
-              <a:t>03/05/2015</a:t>
+              <a:t>05/05/2015</a:t>
             </a:fld>
             <a:endParaRPr lang="fr-FR"/>
           </a:p>
@@ -20638,7 +20640,7 @@
           <a:p>
             <a:fld id="{0267CB9D-03B6-484C-A470-250B37C8DD6C}" type="datetime1">
               <a:rPr lang="fr-FR" smtClean="0"/>
-              <a:t>03/05/2015</a:t>
+              <a:t>05/05/2015</a:t>
             </a:fld>
             <a:endParaRPr lang="fr-FR"/>
           </a:p>
@@ -20801,7 +20803,7 @@
             <a:pPr algn="ctr"/>
             <a:r>
               <a:rPr lang="fr-FR" dirty="0" smtClean="0"/>
-              <a:t>Singleton</a:t>
+              <a:t>Carte</a:t>
             </a:r>
             <a:endParaRPr lang="fr-FR" dirty="0"/>
           </a:p>
@@ -20848,7 +20850,7 @@
             <a:pPr algn="ctr"/>
             <a:r>
               <a:rPr lang="fr-FR" dirty="0" smtClean="0"/>
-              <a:t>JPanel</a:t>
+              <a:t>Géolocalisation</a:t>
             </a:r>
             <a:endParaRPr lang="fr-FR" dirty="0"/>
           </a:p>
@@ -21440,7 +21442,7 @@
             <a:pPr algn="ctr"/>
             <a:r>
               <a:rPr lang="fr-FR" dirty="0" smtClean="0"/>
-              <a:t>Main</a:t>
+              <a:t>Index</a:t>
             </a:r>
             <a:endParaRPr lang="fr-FR" dirty="0"/>
           </a:p>
@@ -21475,8 +21477,9 @@
             </a:pPr>
             <a:r>
               <a:rPr lang="fr-FR" sz="2600" dirty="0" smtClean="0"/>
-              <a:t>Démarrage du projet</a:t>
+              <a:t>Lance la géolocalisation</a:t>
             </a:r>
+            <a:endParaRPr lang="fr-FR" sz="2600" dirty="0" smtClean="0"/>
           </a:p>
           <a:p>
             <a:pPr>
@@ -21486,7 +21489,7 @@
             </a:pPr>
             <a:r>
               <a:rPr lang="fr-FR" sz="2600" dirty="0" smtClean="0"/>
-              <a:t>Mise en place de l’interface graphique</a:t>
+              <a:t>Propose les différentes villes</a:t>
             </a:r>
             <a:endParaRPr lang="fr-FR" sz="2600" dirty="0"/>
           </a:p>
@@ -21498,8 +21501,9 @@
             </a:pPr>
             <a:r>
               <a:rPr lang="fr-FR" sz="2600" dirty="0" smtClean="0"/>
-              <a:t>Démarrage des threads</a:t>
+              <a:t>Affiche la carte</a:t>
             </a:r>
+            <a:endParaRPr lang="fr-FR" sz="2600" dirty="0" smtClean="0"/>
           </a:p>
         </p:txBody>
       </p:sp>
@@ -21520,7 +21524,7 @@
           <a:p>
             <a:fld id="{4F12E5FD-DAE5-47A8-8BA2-1D9929D0A7C6}" type="datetime1">
               <a:rPr lang="fr-FR" smtClean="0"/>
-              <a:t>03/05/2015</a:t>
+              <a:t>05/05/2015</a:t>
             </a:fld>
             <a:endParaRPr lang="fr-FR"/>
           </a:p>
@@ -21962,7 +21966,7 @@
             <a:pPr algn="ctr"/>
             <a:r>
               <a:rPr lang="fr-FR" dirty="0" smtClean="0"/>
-              <a:t>Web Service</a:t>
+              <a:t>Open data</a:t>
             </a:r>
             <a:endParaRPr lang="fr-FR" dirty="0"/>
           </a:p>
@@ -22031,7 +22035,7 @@
           <a:p>
             <a:fld id="{A468854E-E6DD-4F89-8EC5-3DEC2F035CF4}" type="datetime1">
               <a:rPr lang="fr-FR" smtClean="0"/>
-              <a:t>03/05/2015</a:t>
+              <a:t>05/05/2015</a:t>
             </a:fld>
             <a:endParaRPr lang="fr-FR"/>
           </a:p>

--- a/Projet ArchiWeb.pptx
+++ b/Projet ArchiWeb.pptx
@@ -224,7 +224,7 @@
           <a:p>
             <a:fld id="{BC09F416-0886-4053-A5EC-0C3686C8F540}" type="datetimeFigureOut">
               <a:rPr lang="fr-FR" smtClean="0"/>
-              <a:t>06/05/2015</a:t>
+              <a:t>15/05/2015</a:t>
             </a:fld>
             <a:endParaRPr lang="fr-FR"/>
           </a:p>
@@ -539,8 +539,12 @@
           <a:lstStyle/>
           <a:p>
             <a:r>
-              <a:rPr lang="fr-FR" dirty="0" smtClean="0"/>
-              <a:t>Quentin</a:t>
+              <a:rPr lang="fr-FR" dirty="0" smtClean="0">
+                <a:solidFill>
+                  <a:schemeClr val="bg1"/>
+                </a:solidFill>
+              </a:rPr>
+              <a:t>Haitham</a:t>
             </a:r>
             <a:endParaRPr lang="fr-FR" dirty="0"/>
           </a:p>
@@ -563,7 +567,7 @@
           <a:p>
             <a:fld id="{EC93E37D-C213-4922-BE1B-9F502BE79983}" type="slidenum">
               <a:rPr lang="fr-FR" smtClean="0"/>
-              <a:t>2</a:t>
+              <a:t>1</a:t>
             </a:fld>
             <a:endParaRPr lang="fr-FR"/>
           </a:p>
@@ -572,7 +576,7 @@
     </p:spTree>
     <p:extLst>
       <p:ext uri="{BB962C8B-B14F-4D97-AF65-F5344CB8AC3E}">
-        <p14:creationId xmlns:p14="http://schemas.microsoft.com/office/powerpoint/2010/main" val="973937188"/>
+        <p14:creationId xmlns:p14="http://schemas.microsoft.com/office/powerpoint/2010/main" val="3256464663"/>
       </p:ext>
     </p:extLst>
   </p:cSld>
@@ -626,29 +630,10 @@
           <a:bodyPr/>
           <a:lstStyle/>
           <a:p>
-            <a:pPr marL="0" marR="0" indent="0" algn="l" defTabSz="914400" rtl="0" eaLnBrk="1" fontAlgn="auto" latinLnBrk="0" hangingPunct="1">
-              <a:lnSpc>
-                <a:spcPct val="100000"/>
-              </a:lnSpc>
-              <a:spcBef>
-                <a:spcPts val="0"/>
-              </a:spcBef>
-              <a:spcAft>
-                <a:spcPts val="0"/>
-              </a:spcAft>
-              <a:buClrTx/>
-              <a:buSzTx/>
-              <a:buFontTx/>
-              <a:buNone/>
-              <a:tabLst/>
-              <a:defRPr/>
-            </a:pPr>
             <a:r>
               <a:rPr lang="fr-FR" dirty="0" smtClean="0"/>
-              <a:t>Antoine</a:t>
-            </a:r>
-          </a:p>
-          <a:p>
+              <a:t>Quentin</a:t>
+            </a:r>
             <a:endParaRPr lang="fr-FR" dirty="0"/>
           </a:p>
         </p:txBody>
@@ -670,7 +655,7 @@
           <a:p>
             <a:fld id="{EC93E37D-C213-4922-BE1B-9F502BE79983}" type="slidenum">
               <a:rPr lang="fr-FR" smtClean="0"/>
-              <a:t>11</a:t>
+              <a:t>10</a:t>
             </a:fld>
             <a:endParaRPr lang="fr-FR"/>
           </a:p>
@@ -679,7 +664,7 @@
     </p:spTree>
     <p:extLst>
       <p:ext uri="{BB962C8B-B14F-4D97-AF65-F5344CB8AC3E}">
-        <p14:creationId xmlns:p14="http://schemas.microsoft.com/office/powerpoint/2010/main" val="748618149"/>
+        <p14:creationId xmlns:p14="http://schemas.microsoft.com/office/powerpoint/2010/main" val="1831525623"/>
       </p:ext>
     </p:extLst>
   </p:cSld>
@@ -730,14 +715,12 @@
         </p:nvSpPr>
         <p:spPr/>
         <p:txBody>
-          <a:bodyPr>
-            <a:normAutofit/>
-          </a:bodyPr>
+          <a:bodyPr/>
           <a:lstStyle/>
           <a:p>
             <a:r>
               <a:rPr lang="fr-FR" dirty="0" smtClean="0"/>
-              <a:t>Haitham</a:t>
+              <a:t>Quentin</a:t>
             </a:r>
             <a:endParaRPr lang="fr-FR" dirty="0"/>
           </a:p>
@@ -760,7 +743,7 @@
           <a:p>
             <a:fld id="{EC93E37D-C213-4922-BE1B-9F502BE79983}" type="slidenum">
               <a:rPr lang="fr-FR" smtClean="0"/>
-              <a:t>12</a:t>
+              <a:t>11</a:t>
             </a:fld>
             <a:endParaRPr lang="fr-FR"/>
           </a:p>
@@ -769,7 +752,7 @@
     </p:spTree>
     <p:extLst>
       <p:ext uri="{BB962C8B-B14F-4D97-AF65-F5344CB8AC3E}">
-        <p14:creationId xmlns:p14="http://schemas.microsoft.com/office/powerpoint/2010/main" val="992448126"/>
+        <p14:creationId xmlns:p14="http://schemas.microsoft.com/office/powerpoint/2010/main" val="748618149"/>
       </p:ext>
     </p:extLst>
   </p:cSld>
@@ -820,35 +803,37 @@
         </p:nvSpPr>
         <p:spPr/>
         <p:txBody>
+          <a:bodyPr>
+            <a:normAutofit/>
+          </a:bodyPr>
+          <a:lstStyle/>
+          <a:p>
+            <a:r>
+              <a:rPr lang="fr-FR" dirty="0" smtClean="0"/>
+              <a:t>Quentin</a:t>
+            </a:r>
+            <a:endParaRPr lang="fr-FR" dirty="0"/>
+          </a:p>
+        </p:txBody>
+      </p:sp>
+      <p:sp>
+        <p:nvSpPr>
+          <p:cNvPr id="4" name="Espace réservé du numéro de diapositive 3"/>
+          <p:cNvSpPr>
+            <a:spLocks noGrp="1"/>
+          </p:cNvSpPr>
+          <p:nvPr>
+            <p:ph type="sldNum" sz="quarter" idx="10"/>
+          </p:nvPr>
+        </p:nvSpPr>
+        <p:spPr/>
+        <p:txBody>
           <a:bodyPr/>
           <a:lstStyle/>
           <a:p>
-            <a:r>
-              <a:rPr lang="fr-FR" dirty="0" smtClean="0"/>
-              <a:t>Haitham</a:t>
-            </a:r>
-            <a:endParaRPr lang="fr-FR" dirty="0"/>
-          </a:p>
-        </p:txBody>
-      </p:sp>
-      <p:sp>
-        <p:nvSpPr>
-          <p:cNvPr id="4" name="Espace réservé du numéro de diapositive 3"/>
-          <p:cNvSpPr>
-            <a:spLocks noGrp="1"/>
-          </p:cNvSpPr>
-          <p:nvPr>
-            <p:ph type="sldNum" sz="quarter" idx="10"/>
-          </p:nvPr>
-        </p:nvSpPr>
-        <p:spPr/>
-        <p:txBody>
-          <a:bodyPr/>
-          <a:lstStyle/>
-          <a:p>
             <a:fld id="{EC93E37D-C213-4922-BE1B-9F502BE79983}" type="slidenum">
               <a:rPr lang="fr-FR" smtClean="0"/>
-              <a:t>14</a:t>
+              <a:t>12</a:t>
             </a:fld>
             <a:endParaRPr lang="fr-FR"/>
           </a:p>
@@ -857,7 +842,7 @@
     </p:spTree>
     <p:extLst>
       <p:ext uri="{BB962C8B-B14F-4D97-AF65-F5344CB8AC3E}">
-        <p14:creationId xmlns:p14="http://schemas.microsoft.com/office/powerpoint/2010/main" val="1691096398"/>
+        <p14:creationId xmlns:p14="http://schemas.microsoft.com/office/powerpoint/2010/main" val="992448126"/>
       </p:ext>
     </p:extLst>
   </p:cSld>
@@ -913,7 +898,7 @@
           <a:p>
             <a:r>
               <a:rPr lang="fr-FR" dirty="0" smtClean="0"/>
-              <a:t>Quentin</a:t>
+              <a:t>Antoine</a:t>
             </a:r>
             <a:endParaRPr lang="fr-FR" dirty="0"/>
           </a:p>
@@ -936,7 +921,7 @@
           <a:p>
             <a:fld id="{EC93E37D-C213-4922-BE1B-9F502BE79983}" type="slidenum">
               <a:rPr lang="fr-FR" smtClean="0"/>
-              <a:t>15</a:t>
+              <a:t>13</a:t>
             </a:fld>
             <a:endParaRPr lang="fr-FR"/>
           </a:p>
@@ -945,7 +930,7 @@
     </p:spTree>
     <p:extLst>
       <p:ext uri="{BB962C8B-B14F-4D97-AF65-F5344CB8AC3E}">
-        <p14:creationId xmlns:p14="http://schemas.microsoft.com/office/powerpoint/2010/main" val="699872108"/>
+        <p14:creationId xmlns:p14="http://schemas.microsoft.com/office/powerpoint/2010/main" val="1362281310"/>
       </p:ext>
     </p:extLst>
   </p:cSld>
@@ -1001,7 +986,183 @@
           <a:p>
             <a:r>
               <a:rPr lang="fr-FR" dirty="0" smtClean="0"/>
-              <a:t>Alexandre</a:t>
+              <a:t>Haitham</a:t>
+            </a:r>
+            <a:endParaRPr lang="fr-FR" dirty="0"/>
+          </a:p>
+        </p:txBody>
+      </p:sp>
+      <p:sp>
+        <p:nvSpPr>
+          <p:cNvPr id="4" name="Espace réservé du numéro de diapositive 3"/>
+          <p:cNvSpPr>
+            <a:spLocks noGrp="1"/>
+          </p:cNvSpPr>
+          <p:nvPr>
+            <p:ph type="sldNum" sz="quarter" idx="10"/>
+          </p:nvPr>
+        </p:nvSpPr>
+        <p:spPr/>
+        <p:txBody>
+          <a:bodyPr/>
+          <a:lstStyle/>
+          <a:p>
+            <a:fld id="{EC93E37D-C213-4922-BE1B-9F502BE79983}" type="slidenum">
+              <a:rPr lang="fr-FR" smtClean="0"/>
+              <a:t>14</a:t>
+            </a:fld>
+            <a:endParaRPr lang="fr-FR"/>
+          </a:p>
+        </p:txBody>
+      </p:sp>
+    </p:spTree>
+    <p:extLst>
+      <p:ext uri="{BB962C8B-B14F-4D97-AF65-F5344CB8AC3E}">
+        <p14:creationId xmlns:p14="http://schemas.microsoft.com/office/powerpoint/2010/main" val="1691096398"/>
+      </p:ext>
+    </p:extLst>
+  </p:cSld>
+  <p:clrMapOvr>
+    <a:masterClrMapping/>
+  </p:clrMapOvr>
+</p:notes>
+</file>
+
+<file path=ppt/notesSlides/notesSlide15.xml><?xml version="1.0" encoding="utf-8"?>
+<p:notes xmlns:a="http://schemas.openxmlformats.org/drawingml/2006/main" xmlns:r="http://schemas.openxmlformats.org/officeDocument/2006/relationships" xmlns:p="http://schemas.openxmlformats.org/presentationml/2006/main">
+  <p:cSld>
+    <p:spTree>
+      <p:nvGrpSpPr>
+        <p:cNvPr id="1" name=""/>
+        <p:cNvGrpSpPr/>
+        <p:nvPr/>
+      </p:nvGrpSpPr>
+      <p:grpSpPr>
+        <a:xfrm>
+          <a:off x="0" y="0"/>
+          <a:ext cx="0" cy="0"/>
+          <a:chOff x="0" y="0"/>
+          <a:chExt cx="0" cy="0"/>
+        </a:xfrm>
+      </p:grpSpPr>
+      <p:sp>
+        <p:nvSpPr>
+          <p:cNvPr id="2" name="Espace réservé de l'image des diapositives 1"/>
+          <p:cNvSpPr>
+            <a:spLocks noGrp="1" noRot="1" noChangeAspect="1"/>
+          </p:cNvSpPr>
+          <p:nvPr>
+            <p:ph type="sldImg"/>
+          </p:nvPr>
+        </p:nvSpPr>
+        <p:spPr/>
+      </p:sp>
+      <p:sp>
+        <p:nvSpPr>
+          <p:cNvPr id="3" name="Espace réservé des commentaires 2"/>
+          <p:cNvSpPr>
+            <a:spLocks noGrp="1"/>
+          </p:cNvSpPr>
+          <p:nvPr>
+            <p:ph type="body" idx="1"/>
+          </p:nvPr>
+        </p:nvSpPr>
+        <p:spPr/>
+        <p:txBody>
+          <a:bodyPr/>
+          <a:lstStyle/>
+          <a:p>
+            <a:r>
+              <a:rPr lang="fr-FR" dirty="0" smtClean="0"/>
+              <a:t>Antoine</a:t>
+            </a:r>
+            <a:endParaRPr lang="fr-FR" dirty="0"/>
+          </a:p>
+        </p:txBody>
+      </p:sp>
+      <p:sp>
+        <p:nvSpPr>
+          <p:cNvPr id="4" name="Espace réservé du numéro de diapositive 3"/>
+          <p:cNvSpPr>
+            <a:spLocks noGrp="1"/>
+          </p:cNvSpPr>
+          <p:nvPr>
+            <p:ph type="sldNum" sz="quarter" idx="10"/>
+          </p:nvPr>
+        </p:nvSpPr>
+        <p:spPr/>
+        <p:txBody>
+          <a:bodyPr/>
+          <a:lstStyle/>
+          <a:p>
+            <a:fld id="{EC93E37D-C213-4922-BE1B-9F502BE79983}" type="slidenum">
+              <a:rPr lang="fr-FR" smtClean="0"/>
+              <a:t>15</a:t>
+            </a:fld>
+            <a:endParaRPr lang="fr-FR"/>
+          </a:p>
+        </p:txBody>
+      </p:sp>
+    </p:spTree>
+    <p:extLst>
+      <p:ext uri="{BB962C8B-B14F-4D97-AF65-F5344CB8AC3E}">
+        <p14:creationId xmlns:p14="http://schemas.microsoft.com/office/powerpoint/2010/main" val="699872108"/>
+      </p:ext>
+    </p:extLst>
+  </p:cSld>
+  <p:clrMapOvr>
+    <a:masterClrMapping/>
+  </p:clrMapOvr>
+</p:notes>
+</file>
+
+<file path=ppt/notesSlides/notesSlide16.xml><?xml version="1.0" encoding="utf-8"?>
+<p:notes xmlns:a="http://schemas.openxmlformats.org/drawingml/2006/main" xmlns:r="http://schemas.openxmlformats.org/officeDocument/2006/relationships" xmlns:p="http://schemas.openxmlformats.org/presentationml/2006/main">
+  <p:cSld>
+    <p:spTree>
+      <p:nvGrpSpPr>
+        <p:cNvPr id="1" name=""/>
+        <p:cNvGrpSpPr/>
+        <p:nvPr/>
+      </p:nvGrpSpPr>
+      <p:grpSpPr>
+        <a:xfrm>
+          <a:off x="0" y="0"/>
+          <a:ext cx="0" cy="0"/>
+          <a:chOff x="0" y="0"/>
+          <a:chExt cx="0" cy="0"/>
+        </a:xfrm>
+      </p:grpSpPr>
+      <p:sp>
+        <p:nvSpPr>
+          <p:cNvPr id="2" name="Espace réservé de l'image des diapositives 1"/>
+          <p:cNvSpPr>
+            <a:spLocks noGrp="1" noRot="1" noChangeAspect="1"/>
+          </p:cNvSpPr>
+          <p:nvPr>
+            <p:ph type="sldImg"/>
+          </p:nvPr>
+        </p:nvSpPr>
+        <p:spPr/>
+      </p:sp>
+      <p:sp>
+        <p:nvSpPr>
+          <p:cNvPr id="3" name="Espace réservé des commentaires 2"/>
+          <p:cNvSpPr>
+            <a:spLocks noGrp="1"/>
+          </p:cNvSpPr>
+          <p:nvPr>
+            <p:ph type="body" idx="1"/>
+          </p:nvPr>
+        </p:nvSpPr>
+        <p:spPr/>
+        <p:txBody>
+          <a:bodyPr/>
+          <a:lstStyle/>
+          <a:p>
+            <a:r>
+              <a:rPr lang="fr-FR" dirty="0" smtClean="0"/>
+              <a:t>Antoine</a:t>
             </a:r>
             <a:endParaRPr lang="fr-FR" dirty="0"/>
           </a:p>
@@ -1034,6 +1195,94 @@
     <p:extLst>
       <p:ext uri="{BB962C8B-B14F-4D97-AF65-F5344CB8AC3E}">
         <p14:creationId xmlns:p14="http://schemas.microsoft.com/office/powerpoint/2010/main" val="4168463550"/>
+      </p:ext>
+    </p:extLst>
+  </p:cSld>
+  <p:clrMapOvr>
+    <a:masterClrMapping/>
+  </p:clrMapOvr>
+</p:notes>
+</file>
+
+<file path=ppt/notesSlides/notesSlide17.xml><?xml version="1.0" encoding="utf-8"?>
+<p:notes xmlns:a="http://schemas.openxmlformats.org/drawingml/2006/main" xmlns:r="http://schemas.openxmlformats.org/officeDocument/2006/relationships" xmlns:p="http://schemas.openxmlformats.org/presentationml/2006/main">
+  <p:cSld>
+    <p:spTree>
+      <p:nvGrpSpPr>
+        <p:cNvPr id="1" name=""/>
+        <p:cNvGrpSpPr/>
+        <p:nvPr/>
+      </p:nvGrpSpPr>
+      <p:grpSpPr>
+        <a:xfrm>
+          <a:off x="0" y="0"/>
+          <a:ext cx="0" cy="0"/>
+          <a:chOff x="0" y="0"/>
+          <a:chExt cx="0" cy="0"/>
+        </a:xfrm>
+      </p:grpSpPr>
+      <p:sp>
+        <p:nvSpPr>
+          <p:cNvPr id="2" name="Espace réservé de l'image des diapositives 1"/>
+          <p:cNvSpPr>
+            <a:spLocks noGrp="1" noRot="1" noChangeAspect="1"/>
+          </p:cNvSpPr>
+          <p:nvPr>
+            <p:ph type="sldImg"/>
+          </p:nvPr>
+        </p:nvSpPr>
+        <p:spPr/>
+      </p:sp>
+      <p:sp>
+        <p:nvSpPr>
+          <p:cNvPr id="3" name="Espace réservé des commentaires 2"/>
+          <p:cNvSpPr>
+            <a:spLocks noGrp="1"/>
+          </p:cNvSpPr>
+          <p:nvPr>
+            <p:ph type="body" idx="1"/>
+          </p:nvPr>
+        </p:nvSpPr>
+        <p:spPr/>
+        <p:txBody>
+          <a:bodyPr/>
+          <a:lstStyle/>
+          <a:p>
+            <a:r>
+              <a:rPr lang="fr-FR" smtClean="0"/>
+              <a:t>Antoine</a:t>
+            </a:r>
+            <a:endParaRPr lang="fr-FR" dirty="0"/>
+          </a:p>
+        </p:txBody>
+      </p:sp>
+      <p:sp>
+        <p:nvSpPr>
+          <p:cNvPr id="4" name="Espace réservé du numéro de diapositive 3"/>
+          <p:cNvSpPr>
+            <a:spLocks noGrp="1"/>
+          </p:cNvSpPr>
+          <p:nvPr>
+            <p:ph type="sldNum" sz="quarter" idx="10"/>
+          </p:nvPr>
+        </p:nvSpPr>
+        <p:spPr/>
+        <p:txBody>
+          <a:bodyPr/>
+          <a:lstStyle/>
+          <a:p>
+            <a:fld id="{EC93E37D-C213-4922-BE1B-9F502BE79983}" type="slidenum">
+              <a:rPr lang="fr-FR" smtClean="0"/>
+              <a:t>17</a:t>
+            </a:fld>
+            <a:endParaRPr lang="fr-FR"/>
+          </a:p>
+        </p:txBody>
+      </p:sp>
+    </p:spTree>
+    <p:extLst>
+      <p:ext uri="{BB962C8B-B14F-4D97-AF65-F5344CB8AC3E}">
+        <p14:creationId xmlns:p14="http://schemas.microsoft.com/office/powerpoint/2010/main" val="480045912"/>
       </p:ext>
     </p:extLst>
   </p:cSld>
@@ -1087,29 +1336,14 @@
           <a:bodyPr/>
           <a:lstStyle/>
           <a:p>
-            <a:pPr marL="0" marR="0" indent="0" algn="l" defTabSz="914400" rtl="0" eaLnBrk="1" fontAlgn="auto" latinLnBrk="0" hangingPunct="1">
-              <a:lnSpc>
-                <a:spcPct val="100000"/>
-              </a:lnSpc>
-              <a:spcBef>
-                <a:spcPts val="0"/>
-              </a:spcBef>
-              <a:spcAft>
-                <a:spcPts val="0"/>
-              </a:spcAft>
-              <a:buClrTx/>
-              <a:buSzTx/>
-              <a:buFontTx/>
-              <a:buNone/>
-              <a:tabLst/>
-              <a:defRPr/>
-            </a:pPr>
-            <a:r>
-              <a:rPr lang="fr-FR" dirty="0" smtClean="0"/>
-              <a:t>Quentin</a:t>
-            </a:r>
-          </a:p>
-          <a:p>
+            <a:r>
+              <a:rPr lang="fr-FR" dirty="0" smtClean="0">
+                <a:solidFill>
+                  <a:schemeClr val="bg1"/>
+                </a:solidFill>
+              </a:rPr>
+              <a:t>Haitham</a:t>
+            </a:r>
             <a:endParaRPr lang="fr-FR" dirty="0"/>
           </a:p>
         </p:txBody>
@@ -1131,7 +1365,7 @@
           <a:p>
             <a:fld id="{EC93E37D-C213-4922-BE1B-9F502BE79983}" type="slidenum">
               <a:rPr lang="fr-FR" smtClean="0"/>
-              <a:t>3</a:t>
+              <a:t>2</a:t>
             </a:fld>
             <a:endParaRPr lang="fr-FR"/>
           </a:p>
@@ -1140,7 +1374,7 @@
     </p:spTree>
     <p:extLst>
       <p:ext uri="{BB962C8B-B14F-4D97-AF65-F5344CB8AC3E}">
-        <p14:creationId xmlns:p14="http://schemas.microsoft.com/office/powerpoint/2010/main" val="3895172627"/>
+        <p14:creationId xmlns:p14="http://schemas.microsoft.com/office/powerpoint/2010/main" val="973937188"/>
       </p:ext>
     </p:extLst>
   </p:cSld>
@@ -1194,9 +1428,30 @@
           <a:bodyPr/>
           <a:lstStyle/>
           <a:p>
-            <a:r>
-              <a:rPr lang="fr-FR" dirty="0" smtClean="0"/>
-              <a:t>Quentin</a:t>
+            <a:pPr marL="0" marR="0" indent="0" algn="l" defTabSz="914400" rtl="0" eaLnBrk="1" fontAlgn="auto" latinLnBrk="0" hangingPunct="1">
+              <a:lnSpc>
+                <a:spcPct val="100000"/>
+              </a:lnSpc>
+              <a:spcBef>
+                <a:spcPts val="0"/>
+              </a:spcBef>
+              <a:spcAft>
+                <a:spcPts val="0"/>
+              </a:spcAft>
+              <a:buClrTx/>
+              <a:buSzTx/>
+              <a:buFontTx/>
+              <a:buNone/>
+              <a:tabLst/>
+              <a:defRPr/>
+            </a:pPr>
+            <a:r>
+              <a:rPr lang="fr-FR" dirty="0" smtClean="0">
+                <a:solidFill>
+                  <a:schemeClr val="bg1"/>
+                </a:solidFill>
+              </a:rPr>
+              <a:t>Haitham</a:t>
             </a:r>
             <a:endParaRPr lang="fr-FR" dirty="0"/>
           </a:p>
@@ -1219,7 +1474,7 @@
           <a:p>
             <a:fld id="{EC93E37D-C213-4922-BE1B-9F502BE79983}" type="slidenum">
               <a:rPr lang="fr-FR" smtClean="0"/>
-              <a:t>4</a:t>
+              <a:t>3</a:t>
             </a:fld>
             <a:endParaRPr lang="fr-FR"/>
           </a:p>
@@ -1228,7 +1483,7 @@
     </p:spTree>
     <p:extLst>
       <p:ext uri="{BB962C8B-B14F-4D97-AF65-F5344CB8AC3E}">
-        <p14:creationId xmlns:p14="http://schemas.microsoft.com/office/powerpoint/2010/main" val="3167608681"/>
+        <p14:creationId xmlns:p14="http://schemas.microsoft.com/office/powerpoint/2010/main" val="3895172627"/>
       </p:ext>
     </p:extLst>
   </p:cSld>
@@ -1282,29 +1537,14 @@
           <a:bodyPr/>
           <a:lstStyle/>
           <a:p>
-            <a:pPr marL="0" marR="0" indent="0" algn="l" defTabSz="914400" rtl="0" eaLnBrk="1" fontAlgn="auto" latinLnBrk="0" hangingPunct="1">
-              <a:lnSpc>
-                <a:spcPct val="100000"/>
-              </a:lnSpc>
-              <a:spcBef>
-                <a:spcPts val="0"/>
-              </a:spcBef>
-              <a:spcAft>
-                <a:spcPts val="0"/>
-              </a:spcAft>
-              <a:buClrTx/>
-              <a:buSzTx/>
-              <a:buFontTx/>
-              <a:buNone/>
-              <a:tabLst/>
-              <a:defRPr/>
-            </a:pPr>
-            <a:r>
-              <a:rPr lang="fr-FR" dirty="0" smtClean="0"/>
-              <a:t>Alexandre</a:t>
-            </a:r>
-          </a:p>
-          <a:p>
+            <a:r>
+              <a:rPr lang="fr-FR" dirty="0" smtClean="0">
+                <a:solidFill>
+                  <a:schemeClr val="bg1"/>
+                </a:solidFill>
+              </a:rPr>
+              <a:t>Haitham</a:t>
+            </a:r>
             <a:endParaRPr lang="fr-FR" dirty="0"/>
           </a:p>
         </p:txBody>
@@ -1326,7 +1566,7 @@
           <a:p>
             <a:fld id="{EC93E37D-C213-4922-BE1B-9F502BE79983}" type="slidenum">
               <a:rPr lang="fr-FR" smtClean="0"/>
-              <a:t>5</a:t>
+              <a:t>4</a:t>
             </a:fld>
             <a:endParaRPr lang="fr-FR"/>
           </a:p>
@@ -1335,7 +1575,7 @@
     </p:spTree>
     <p:extLst>
       <p:ext uri="{BB962C8B-B14F-4D97-AF65-F5344CB8AC3E}">
-        <p14:creationId xmlns:p14="http://schemas.microsoft.com/office/powerpoint/2010/main" val="703685457"/>
+        <p14:creationId xmlns:p14="http://schemas.microsoft.com/office/powerpoint/2010/main" val="3167608681"/>
       </p:ext>
     </p:extLst>
   </p:cSld>
@@ -1389,7 +1629,15 @@
           <a:bodyPr/>
           <a:lstStyle/>
           <a:p>
-            <a:endParaRPr lang="fr-FR"/>
+            <a:r>
+              <a:rPr lang="fr-FR" dirty="0" smtClean="0">
+                <a:solidFill>
+                  <a:schemeClr val="bg1"/>
+                </a:solidFill>
+              </a:rPr>
+              <a:t>Haitham</a:t>
+            </a:r>
+            <a:endParaRPr lang="fr-FR" dirty="0"/>
           </a:p>
         </p:txBody>
       </p:sp>
@@ -1410,7 +1658,7 @@
           <a:p>
             <a:fld id="{EC93E37D-C213-4922-BE1B-9F502BE79983}" type="slidenum">
               <a:rPr lang="fr-FR" smtClean="0"/>
-              <a:t>6</a:t>
+              <a:t>5</a:t>
             </a:fld>
             <a:endParaRPr lang="fr-FR"/>
           </a:p>
@@ -1419,7 +1667,7 @@
     </p:spTree>
     <p:extLst>
       <p:ext uri="{BB962C8B-B14F-4D97-AF65-F5344CB8AC3E}">
-        <p14:creationId xmlns:p14="http://schemas.microsoft.com/office/powerpoint/2010/main" val="3609785138"/>
+        <p14:creationId xmlns:p14="http://schemas.microsoft.com/office/powerpoint/2010/main" val="703685457"/>
       </p:ext>
     </p:extLst>
   </p:cSld>
@@ -1475,7 +1723,7 @@
           <a:p>
             <a:r>
               <a:rPr lang="fr-FR" dirty="0" smtClean="0"/>
-              <a:t>Antoine</a:t>
+              <a:t>Quentin</a:t>
             </a:r>
             <a:endParaRPr lang="fr-FR" dirty="0"/>
           </a:p>
@@ -1498,7 +1746,7 @@
           <a:p>
             <a:fld id="{EC93E37D-C213-4922-BE1B-9F502BE79983}" type="slidenum">
               <a:rPr lang="fr-FR" smtClean="0"/>
-              <a:t>7</a:t>
+              <a:t>6</a:t>
             </a:fld>
             <a:endParaRPr lang="fr-FR"/>
           </a:p>
@@ -1507,7 +1755,7 @@
     </p:spTree>
     <p:extLst>
       <p:ext uri="{BB962C8B-B14F-4D97-AF65-F5344CB8AC3E}">
-        <p14:creationId xmlns:p14="http://schemas.microsoft.com/office/powerpoint/2010/main" val="750023640"/>
+        <p14:creationId xmlns:p14="http://schemas.microsoft.com/office/powerpoint/2010/main" val="3609785138"/>
       </p:ext>
     </p:extLst>
   </p:cSld>
@@ -1561,29 +1809,10 @@
           <a:bodyPr/>
           <a:lstStyle/>
           <a:p>
-            <a:pPr marL="0" marR="0" indent="0" algn="l" defTabSz="914400" rtl="0" eaLnBrk="1" fontAlgn="auto" latinLnBrk="0" hangingPunct="1">
-              <a:lnSpc>
-                <a:spcPct val="100000"/>
-              </a:lnSpc>
-              <a:spcBef>
-                <a:spcPts val="0"/>
-              </a:spcBef>
-              <a:spcAft>
-                <a:spcPts val="0"/>
-              </a:spcAft>
-              <a:buClrTx/>
-              <a:buSzTx/>
-              <a:buFontTx/>
-              <a:buNone/>
-              <a:tabLst/>
-              <a:defRPr/>
-            </a:pPr>
             <a:r>
               <a:rPr lang="fr-FR" dirty="0" smtClean="0"/>
-              <a:t>Antoine</a:t>
-            </a:r>
-          </a:p>
-          <a:p>
+              <a:t>Quentin</a:t>
+            </a:r>
             <a:endParaRPr lang="fr-FR" dirty="0"/>
           </a:p>
         </p:txBody>
@@ -1605,7 +1834,7 @@
           <a:p>
             <a:fld id="{EC93E37D-C213-4922-BE1B-9F502BE79983}" type="slidenum">
               <a:rPr lang="fr-FR" smtClean="0"/>
-              <a:t>8</a:t>
+              <a:t>7</a:t>
             </a:fld>
             <a:endParaRPr lang="fr-FR"/>
           </a:p>
@@ -1614,7 +1843,7 @@
     </p:spTree>
     <p:extLst>
       <p:ext uri="{BB962C8B-B14F-4D97-AF65-F5344CB8AC3E}">
-        <p14:creationId xmlns:p14="http://schemas.microsoft.com/office/powerpoint/2010/main" val="1007195707"/>
+        <p14:creationId xmlns:p14="http://schemas.microsoft.com/office/powerpoint/2010/main" val="750023640"/>
       </p:ext>
     </p:extLst>
   </p:cSld>
@@ -1668,29 +1897,10 @@
           <a:bodyPr/>
           <a:lstStyle/>
           <a:p>
-            <a:pPr marL="0" marR="0" indent="0" algn="l" defTabSz="914400" rtl="0" eaLnBrk="1" fontAlgn="auto" latinLnBrk="0" hangingPunct="1">
-              <a:lnSpc>
-                <a:spcPct val="100000"/>
-              </a:lnSpc>
-              <a:spcBef>
-                <a:spcPts val="0"/>
-              </a:spcBef>
-              <a:spcAft>
-                <a:spcPts val="0"/>
-              </a:spcAft>
-              <a:buClrTx/>
-              <a:buSzTx/>
-              <a:buFontTx/>
-              <a:buNone/>
-              <a:tabLst/>
-              <a:defRPr/>
-            </a:pPr>
             <a:r>
               <a:rPr lang="fr-FR" dirty="0" smtClean="0"/>
-              <a:t>Antoine</a:t>
-            </a:r>
-          </a:p>
-          <a:p>
+              <a:t>Quentin</a:t>
+            </a:r>
             <a:endParaRPr lang="fr-FR" dirty="0"/>
           </a:p>
         </p:txBody>
@@ -1712,7 +1922,7 @@
           <a:p>
             <a:fld id="{EC93E37D-C213-4922-BE1B-9F502BE79983}" type="slidenum">
               <a:rPr lang="fr-FR" smtClean="0"/>
-              <a:t>9</a:t>
+              <a:t>8</a:t>
             </a:fld>
             <a:endParaRPr lang="fr-FR"/>
           </a:p>
@@ -1721,7 +1931,7 @@
     </p:spTree>
     <p:extLst>
       <p:ext uri="{BB962C8B-B14F-4D97-AF65-F5344CB8AC3E}">
-        <p14:creationId xmlns:p14="http://schemas.microsoft.com/office/powerpoint/2010/main" val="2534797076"/>
+        <p14:creationId xmlns:p14="http://schemas.microsoft.com/office/powerpoint/2010/main" val="1007195707"/>
       </p:ext>
     </p:extLst>
   </p:cSld>
@@ -1775,29 +1985,10 @@
           <a:bodyPr/>
           <a:lstStyle/>
           <a:p>
-            <a:pPr marL="0" marR="0" indent="0" algn="l" defTabSz="914400" rtl="0" eaLnBrk="1" fontAlgn="auto" latinLnBrk="0" hangingPunct="1">
-              <a:lnSpc>
-                <a:spcPct val="100000"/>
-              </a:lnSpc>
-              <a:spcBef>
-                <a:spcPts val="0"/>
-              </a:spcBef>
-              <a:spcAft>
-                <a:spcPts val="0"/>
-              </a:spcAft>
-              <a:buClrTx/>
-              <a:buSzTx/>
-              <a:buFontTx/>
-              <a:buNone/>
-              <a:tabLst/>
-              <a:defRPr/>
-            </a:pPr>
             <a:r>
               <a:rPr lang="fr-FR" dirty="0" smtClean="0"/>
-              <a:t>Antoine</a:t>
-            </a:r>
-          </a:p>
-          <a:p>
+              <a:t>Quentin</a:t>
+            </a:r>
             <a:endParaRPr lang="fr-FR" dirty="0"/>
           </a:p>
         </p:txBody>
@@ -1819,7 +2010,7 @@
           <a:p>
             <a:fld id="{EC93E37D-C213-4922-BE1B-9F502BE79983}" type="slidenum">
               <a:rPr lang="fr-FR" smtClean="0"/>
-              <a:t>10</a:t>
+              <a:t>9</a:t>
             </a:fld>
             <a:endParaRPr lang="fr-FR"/>
           </a:p>
@@ -1828,7 +2019,7 @@
     </p:spTree>
     <p:extLst>
       <p:ext uri="{BB962C8B-B14F-4D97-AF65-F5344CB8AC3E}">
-        <p14:creationId xmlns:p14="http://schemas.microsoft.com/office/powerpoint/2010/main" val="1831525623"/>
+        <p14:creationId xmlns:p14="http://schemas.microsoft.com/office/powerpoint/2010/main" val="2534797076"/>
       </p:ext>
     </p:extLst>
   </p:cSld>
@@ -7674,11 +7865,6 @@
               </a:rPr>
               <a:t>BRADAI Haitham, </a:t>
             </a:r>
-            <a:endParaRPr lang="fr-FR" dirty="0" smtClean="0">
-              <a:solidFill>
-                <a:schemeClr val="bg1"/>
-              </a:solidFill>
-            </a:endParaRPr>
           </a:p>
           <a:p>
             <a:pPr algn="ctr"/>
@@ -7688,42 +7874,18 @@
                   <a:schemeClr val="bg1"/>
                 </a:solidFill>
               </a:rPr>
-              <a:t>CURTET </a:t>
-            </a:r>
+              <a:t>CURTET Quentin,</a:t>
+            </a:r>
+          </a:p>
+          <a:p>
+            <a:pPr algn="ctr"/>
             <a:r>
               <a:rPr lang="fr-FR" dirty="0" smtClean="0">
                 <a:solidFill>
                   <a:schemeClr val="bg1"/>
                 </a:solidFill>
               </a:rPr>
-              <a:t>Quentin</a:t>
-            </a:r>
-            <a:r>
-              <a:rPr lang="fr-FR" dirty="0" smtClean="0">
-                <a:solidFill>
-                  <a:schemeClr val="bg1"/>
-                </a:solidFill>
-              </a:rPr>
-              <a:t>,</a:t>
-            </a:r>
-          </a:p>
-          <a:p>
-            <a:pPr algn="ctr"/>
-            <a:r>
-              <a:rPr lang="fr-FR" dirty="0" smtClean="0">
-                <a:solidFill>
-                  <a:schemeClr val="bg1"/>
-                </a:solidFill>
-              </a:rPr>
-              <a:t> </a:t>
-            </a:r>
-            <a:r>
-              <a:rPr lang="fr-FR" dirty="0" smtClean="0">
-                <a:solidFill>
-                  <a:schemeClr val="bg1"/>
-                </a:solidFill>
-              </a:rPr>
-              <a:t>MORBOIS Antoine</a:t>
+              <a:t> MORBOIS Antoine</a:t>
             </a:r>
             <a:endParaRPr lang="fr-FR" dirty="0">
               <a:solidFill>
@@ -7886,7 +8048,11 @@
             </a:pPr>
             <a:r>
               <a:rPr lang="fr-FR" sz="2600" dirty="0" smtClean="0"/>
-              <a:t>Affiche la position de l’utilisateur</a:t>
+              <a:t>Afficher </a:t>
+            </a:r>
+            <a:r>
+              <a:rPr lang="fr-FR" sz="2600" dirty="0" smtClean="0"/>
+              <a:t>la position de l’utilisateur</a:t>
             </a:r>
           </a:p>
           <a:p>
@@ -7897,13 +8063,8 @@
             </a:pPr>
             <a:r>
               <a:rPr lang="fr-FR" sz="2600" dirty="0" smtClean="0"/>
-              <a:t>Code </a:t>
-            </a:r>
-            <a:r>
-              <a:rPr lang="fr-FR" sz="2600" dirty="0" smtClean="0"/>
-              <a:t>couleur, logo</a:t>
-            </a:r>
-            <a:endParaRPr lang="fr-FR" sz="2600" dirty="0" smtClean="0"/>
+              <a:t>Code couleur, logo</a:t>
+            </a:r>
           </a:p>
           <a:p>
             <a:pPr>
@@ -7913,8 +8074,13 @@
             </a:pPr>
             <a:r>
               <a:rPr lang="fr-FR" sz="2600" dirty="0" smtClean="0"/>
-              <a:t>Données dynamique</a:t>
-            </a:r>
+              <a:t>Données </a:t>
+            </a:r>
+            <a:r>
+              <a:rPr lang="fr-FR" sz="2600" dirty="0" smtClean="0"/>
+              <a:t>dynamiques</a:t>
+            </a:r>
+            <a:endParaRPr lang="fr-FR" sz="2600" dirty="0" smtClean="0"/>
           </a:p>
         </p:txBody>
       </p:sp>
@@ -9107,9 +9273,14 @@
               </a:lnSpc>
             </a:pPr>
             <a:r>
+              <a:rPr lang="fr-FR" sz="2600" dirty="0"/>
+              <a:t>L</a:t>
+            </a:r>
+            <a:r>
               <a:rPr lang="fr-FR" sz="2600" dirty="0" smtClean="0"/>
-              <a:t>localisation</a:t>
-            </a:r>
+              <a:t>ocalisation</a:t>
+            </a:r>
+            <a:endParaRPr lang="fr-FR" sz="2600" dirty="0" smtClean="0"/>
           </a:p>
           <a:p>
             <a:pPr>
@@ -10024,7 +10195,15 @@
             </a:pPr>
             <a:r>
               <a:rPr lang="fr-FR" sz="2600" dirty="0" smtClean="0"/>
-              <a:t>Mise en œuvre d’un charte de codage</a:t>
+              <a:t>Mise en œuvre </a:t>
+            </a:r>
+            <a:r>
+              <a:rPr lang="fr-FR" sz="2600" dirty="0" smtClean="0"/>
+              <a:t>d’une </a:t>
+            </a:r>
+            <a:r>
+              <a:rPr lang="fr-FR" sz="2600" dirty="0" smtClean="0"/>
+              <a:t>charte de codage</a:t>
             </a:r>
           </a:p>
           <a:p>
@@ -10704,7 +10883,15 @@
             </a:pPr>
             <a:r>
               <a:rPr lang="fr-FR" sz="2600" dirty="0" smtClean="0"/>
-              <a:t>Comment nous l’avons réalisé ?</a:t>
+              <a:t>Comment </a:t>
+            </a:r>
+            <a:r>
+              <a:rPr lang="fr-FR" sz="2600" dirty="0" smtClean="0"/>
+              <a:t>l’avons-nous </a:t>
+            </a:r>
+            <a:r>
+              <a:rPr lang="fr-FR" sz="2600" dirty="0" smtClean="0"/>
+              <a:t>réalisé ?</a:t>
             </a:r>
           </a:p>
           <a:p>
@@ -14464,11 +14651,7 @@
             </a:pPr>
             <a:r>
               <a:rPr lang="fr-FR" sz="2600" dirty="0" smtClean="0"/>
-              <a:t>Récupérer </a:t>
-            </a:r>
-            <a:r>
-              <a:rPr lang="fr-FR" sz="2600" dirty="0" smtClean="0"/>
-              <a:t>le fichier JSON à partir d’une URL</a:t>
+              <a:t>Récupérer le fichier JSON à partir d’une URL</a:t>
             </a:r>
             <a:endParaRPr lang="fr-FR" sz="2600" dirty="0"/>
           </a:p>
@@ -14480,11 +14663,7 @@
             </a:pPr>
             <a:r>
               <a:rPr lang="fr-FR" sz="2600" dirty="0" smtClean="0"/>
-              <a:t>Lire le fichier JSON </a:t>
-            </a:r>
-            <a:r>
-              <a:rPr lang="fr-FR" sz="2600" dirty="0" smtClean="0"/>
-              <a:t>récupéré</a:t>
+              <a:t>Lire le fichier JSON récupéré</a:t>
             </a:r>
           </a:p>
         </p:txBody>

--- a/Projet ArchiWeb.pptx
+++ b/Projet ArchiWeb.pptx
@@ -16,9 +16,9 @@
     <p:sldId id="269" r:id="rId7"/>
     <p:sldId id="259" r:id="rId8"/>
     <p:sldId id="264" r:id="rId9"/>
-    <p:sldId id="266" r:id="rId10"/>
-    <p:sldId id="265" r:id="rId11"/>
-    <p:sldId id="267" r:id="rId12"/>
+    <p:sldId id="267" r:id="rId10"/>
+    <p:sldId id="266" r:id="rId11"/>
+    <p:sldId id="265" r:id="rId12"/>
     <p:sldId id="261" r:id="rId13"/>
     <p:sldId id="270" r:id="rId14"/>
     <p:sldId id="262" r:id="rId15"/>
@@ -224,7 +224,7 @@
           <a:p>
             <a:fld id="{BC09F416-0886-4053-A5EC-0C3686C8F540}" type="datetimeFigureOut">
               <a:rPr lang="fr-FR" smtClean="0"/>
-              <a:t>15/05/2015</a:t>
+              <a:t>17/05/2015</a:t>
             </a:fld>
             <a:endParaRPr lang="fr-FR"/>
           </a:p>
@@ -546,6 +546,34 @@
               </a:rPr>
               <a:t>Haitham</a:t>
             </a:r>
+          </a:p>
+          <a:p>
+            <a:r>
+              <a:rPr lang="fr-FR" dirty="0" smtClean="0">
+                <a:solidFill>
+                  <a:schemeClr val="bg1"/>
+                </a:solidFill>
+              </a:rPr>
+              <a:t>Présentation du projet d’architecture web en bref</a:t>
+            </a:r>
+          </a:p>
+          <a:p>
+            <a:r>
+              <a:rPr lang="fr-FR" dirty="0" smtClean="0">
+                <a:solidFill>
+                  <a:schemeClr val="bg1"/>
+                </a:solidFill>
+              </a:rPr>
+              <a:t>Choix</a:t>
+            </a:r>
+            <a:r>
+              <a:rPr lang="fr-FR" baseline="0" dirty="0" smtClean="0">
+                <a:solidFill>
+                  <a:schemeClr val="bg1"/>
+                </a:solidFill>
+              </a:rPr>
+              <a:t> du nom Archi Vélo</a:t>
+            </a:r>
             <a:endParaRPr lang="fr-FR" dirty="0"/>
           </a:p>
         </p:txBody>
@@ -664,7 +692,7 @@
     </p:spTree>
     <p:extLst>
       <p:ext uri="{BB962C8B-B14F-4D97-AF65-F5344CB8AC3E}">
-        <p14:creationId xmlns:p14="http://schemas.microsoft.com/office/powerpoint/2010/main" val="1831525623"/>
+        <p14:creationId xmlns:p14="http://schemas.microsoft.com/office/powerpoint/2010/main" val="2534797076"/>
       </p:ext>
     </p:extLst>
   </p:cSld>
@@ -752,7 +780,7 @@
     </p:spTree>
     <p:extLst>
       <p:ext uri="{BB962C8B-B14F-4D97-AF65-F5344CB8AC3E}">
-        <p14:creationId xmlns:p14="http://schemas.microsoft.com/office/powerpoint/2010/main" val="748618149"/>
+        <p14:creationId xmlns:p14="http://schemas.microsoft.com/office/powerpoint/2010/main" val="1831525623"/>
       </p:ext>
     </p:extLst>
   </p:cSld>
@@ -811,6 +839,16 @@
             <a:r>
               <a:rPr lang="fr-FR" dirty="0" smtClean="0"/>
               <a:t>Quentin</a:t>
+            </a:r>
+          </a:p>
+          <a:p>
+            <a:r>
+              <a:rPr lang="fr-FR" dirty="0" smtClean="0"/>
+              <a:t>Description de l’affichage,</a:t>
+            </a:r>
+            <a:r>
+              <a:rPr lang="fr-FR" baseline="0" dirty="0" smtClean="0"/>
+              <a:t> des légendes…</a:t>
             </a:r>
             <a:endParaRPr lang="fr-FR" dirty="0"/>
           </a:p>
@@ -986,7 +1024,27 @@
           <a:p>
             <a:r>
               <a:rPr lang="fr-FR" dirty="0" smtClean="0"/>
-              <a:t>Haitham</a:t>
+              <a:t>Antoine</a:t>
+            </a:r>
+          </a:p>
+          <a:p>
+            <a:r>
+              <a:rPr lang="fr-FR" dirty="0" smtClean="0"/>
+              <a:t>- Problème de localisation</a:t>
+            </a:r>
+            <a:r>
+              <a:rPr lang="fr-FR" baseline="0" dirty="0" smtClean="0"/>
+              <a:t> car le traitement en JS ne s’effectuait pas comme il faut</a:t>
+            </a:r>
+          </a:p>
+          <a:p>
+            <a:r>
+              <a:rPr lang="fr-FR" dirty="0" smtClean="0"/>
+              <a:t>- Pour l’intégration de la carte</a:t>
+            </a:r>
+            <a:r>
+              <a:rPr lang="fr-FR" baseline="0" dirty="0" smtClean="0"/>
+              <a:t> on a eu des soucis avec le JS car suivant sa position dans le code la carte ne s’affiche pas</a:t>
             </a:r>
             <a:endParaRPr lang="fr-FR" dirty="0"/>
           </a:p>
@@ -1344,6 +1402,24 @@
               </a:rPr>
               <a:t>Haitham</a:t>
             </a:r>
+          </a:p>
+          <a:p>
+            <a:r>
+              <a:rPr lang="fr-FR" dirty="0" smtClean="0">
+                <a:solidFill>
+                  <a:schemeClr val="bg1"/>
+                </a:solidFill>
+              </a:rPr>
+              <a:t>Présentation du</a:t>
+            </a:r>
+            <a:r>
+              <a:rPr lang="fr-FR" baseline="0" dirty="0" smtClean="0">
+                <a:solidFill>
+                  <a:schemeClr val="bg1"/>
+                </a:solidFill>
+              </a:rPr>
+              <a:t> déroulement de la soutenance</a:t>
+            </a:r>
             <a:endParaRPr lang="fr-FR" dirty="0"/>
           </a:p>
         </p:txBody>
@@ -1453,6 +1529,149 @@
               </a:rPr>
               <a:t>Haitham</a:t>
             </a:r>
+          </a:p>
+          <a:p>
+            <a:pPr marL="0" marR="0" indent="0" algn="l" defTabSz="914400" rtl="0" eaLnBrk="1" fontAlgn="auto" latinLnBrk="0" hangingPunct="1">
+              <a:lnSpc>
+                <a:spcPct val="100000"/>
+              </a:lnSpc>
+              <a:spcBef>
+                <a:spcPts val="0"/>
+              </a:spcBef>
+              <a:spcAft>
+                <a:spcPts val="0"/>
+              </a:spcAft>
+              <a:buClrTx/>
+              <a:buSzTx/>
+              <a:buFontTx/>
+              <a:buNone/>
+              <a:tabLst/>
+              <a:defRPr/>
+            </a:pPr>
+            <a:r>
+              <a:rPr lang="fr-FR" dirty="0" smtClean="0">
+                <a:solidFill>
+                  <a:schemeClr val="bg1"/>
+                </a:solidFill>
+              </a:rPr>
+              <a:t>Conditions</a:t>
+            </a:r>
+            <a:r>
+              <a:rPr lang="fr-FR" baseline="0" dirty="0" smtClean="0">
+                <a:solidFill>
+                  <a:schemeClr val="bg1"/>
+                </a:solidFill>
+              </a:rPr>
+              <a:t> de départ :</a:t>
+            </a:r>
+          </a:p>
+          <a:p>
+            <a:pPr marL="0" marR="0" indent="0" algn="l" defTabSz="914400" rtl="0" eaLnBrk="1" fontAlgn="auto" latinLnBrk="0" hangingPunct="1">
+              <a:lnSpc>
+                <a:spcPct val="100000"/>
+              </a:lnSpc>
+              <a:spcBef>
+                <a:spcPts val="0"/>
+              </a:spcBef>
+              <a:spcAft>
+                <a:spcPts val="0"/>
+              </a:spcAft>
+              <a:buClrTx/>
+              <a:buSzTx/>
+              <a:buFontTx/>
+              <a:buNone/>
+              <a:tabLst/>
+              <a:defRPr/>
+            </a:pPr>
+            <a:r>
+              <a:rPr lang="fr-FR" baseline="0" dirty="0" smtClean="0">
+                <a:solidFill>
+                  <a:schemeClr val="bg1"/>
+                </a:solidFill>
+              </a:rPr>
+              <a:t>Contexte scolaire du projet mais dans un but professionnel</a:t>
+            </a:r>
+          </a:p>
+          <a:p>
+            <a:pPr marL="171450" marR="0" indent="-171450" algn="l" defTabSz="914400" rtl="0" eaLnBrk="1" fontAlgn="auto" latinLnBrk="0" hangingPunct="1">
+              <a:lnSpc>
+                <a:spcPct val="100000"/>
+              </a:lnSpc>
+              <a:spcBef>
+                <a:spcPts val="0"/>
+              </a:spcBef>
+              <a:spcAft>
+                <a:spcPts val="0"/>
+              </a:spcAft>
+              <a:buClrTx/>
+              <a:buSzTx/>
+              <a:buFontTx/>
+              <a:buChar char="-"/>
+              <a:tabLst/>
+              <a:defRPr/>
+            </a:pPr>
+            <a:r>
+              <a:rPr lang="fr-FR" baseline="0" dirty="0" smtClean="0">
+                <a:solidFill>
+                  <a:schemeClr val="bg1"/>
+                </a:solidFill>
+              </a:rPr>
+              <a:t>Travail par 3 </a:t>
+            </a:r>
+          </a:p>
+          <a:p>
+            <a:pPr marL="171450" marR="0" indent="-171450" algn="l" defTabSz="914400" rtl="0" eaLnBrk="1" fontAlgn="auto" latinLnBrk="0" hangingPunct="1">
+              <a:lnSpc>
+                <a:spcPct val="100000"/>
+              </a:lnSpc>
+              <a:spcBef>
+                <a:spcPts val="0"/>
+              </a:spcBef>
+              <a:spcAft>
+                <a:spcPts val="0"/>
+              </a:spcAft>
+              <a:buClrTx/>
+              <a:buSzTx/>
+              <a:buFontTx/>
+              <a:buChar char="-"/>
+              <a:tabLst/>
+              <a:defRPr/>
+            </a:pPr>
+            <a:r>
+              <a:rPr lang="fr-FR" baseline="0" dirty="0" smtClean="0">
+                <a:solidFill>
+                  <a:schemeClr val="bg1"/>
+                </a:solidFill>
+              </a:rPr>
+              <a:t>Doc pro (écrite et orale)</a:t>
+            </a:r>
+          </a:p>
+          <a:p>
+            <a:pPr marL="171450" marR="0" indent="-171450" algn="l" defTabSz="914400" rtl="0" eaLnBrk="1" fontAlgn="auto" latinLnBrk="0" hangingPunct="1">
+              <a:lnSpc>
+                <a:spcPct val="100000"/>
+              </a:lnSpc>
+              <a:spcBef>
+                <a:spcPts val="0"/>
+              </a:spcBef>
+              <a:spcAft>
+                <a:spcPts val="0"/>
+              </a:spcAft>
+              <a:buClrTx/>
+              <a:buSzTx/>
+              <a:buFontTx/>
+              <a:buChar char="-"/>
+              <a:tabLst/>
+              <a:defRPr/>
+            </a:pPr>
+            <a:r>
+              <a:rPr lang="fr-FR" baseline="0" dirty="0" smtClean="0">
+                <a:solidFill>
+                  <a:schemeClr val="bg1"/>
+                </a:solidFill>
+              </a:rPr>
+              <a:t>Présentation orale de soutenance devant un jury</a:t>
+            </a:r>
             <a:endParaRPr lang="fr-FR" dirty="0"/>
           </a:p>
         </p:txBody>
@@ -1545,7 +1764,82 @@
               </a:rPr>
               <a:t>Haitham</a:t>
             </a:r>
-            <a:endParaRPr lang="fr-FR" dirty="0"/>
+          </a:p>
+          <a:p>
+            <a:r>
+              <a:rPr lang="fr-FR" dirty="0" smtClean="0">
+                <a:solidFill>
+                  <a:schemeClr val="bg1"/>
+                </a:solidFill>
+              </a:rPr>
+              <a:t>Différentes contraintes:</a:t>
+            </a:r>
+          </a:p>
+          <a:p>
+            <a:pPr marL="171450" indent="-171450">
+              <a:buFontTx/>
+              <a:buChar char="-"/>
+            </a:pPr>
+            <a:r>
+              <a:rPr lang="fr-FR" dirty="0" smtClean="0">
+                <a:solidFill>
+                  <a:schemeClr val="bg1"/>
+                </a:solidFill>
+              </a:rPr>
+              <a:t>Utilisation des langages Web (HTML CSS PHP JS)</a:t>
+            </a:r>
+          </a:p>
+          <a:p>
+            <a:pPr marL="171450" indent="-171450">
+              <a:buFontTx/>
+              <a:buChar char="-"/>
+            </a:pPr>
+            <a:r>
+              <a:rPr lang="fr-FR" dirty="0" smtClean="0">
+                <a:solidFill>
+                  <a:schemeClr val="bg1"/>
+                </a:solidFill>
+              </a:rPr>
+              <a:t>Utilisation d’open data (données libres) ici ce sont les données des stations de </a:t>
+            </a:r>
+            <a:r>
+              <a:rPr lang="fr-FR" dirty="0" err="1" smtClean="0">
+                <a:solidFill>
+                  <a:schemeClr val="bg1"/>
+                </a:solidFill>
+              </a:rPr>
+              <a:t>vélov</a:t>
+            </a:r>
+            <a:r>
+              <a:rPr lang="fr-FR" dirty="0" smtClean="0">
+                <a:solidFill>
+                  <a:schemeClr val="bg1"/>
+                </a:solidFill>
+              </a:rPr>
+              <a:t>’ lyonnais</a:t>
+            </a:r>
+          </a:p>
+          <a:p>
+            <a:pPr marL="171450" indent="-171450">
+              <a:buFontTx/>
+              <a:buChar char="-"/>
+            </a:pPr>
+            <a:r>
+              <a:rPr lang="fr-FR" dirty="0" smtClean="0">
+                <a:solidFill>
+                  <a:schemeClr val="bg1"/>
+                </a:solidFill>
+              </a:rPr>
+              <a:t>Contrainte</a:t>
+            </a:r>
+            <a:r>
+              <a:rPr lang="fr-FR" baseline="0" dirty="0" smtClean="0">
+                <a:solidFill>
+                  <a:schemeClr val="bg1"/>
+                </a:solidFill>
+              </a:rPr>
+              <a:t> de temps : 40h pour réaliser ce projet</a:t>
+            </a:r>
           </a:p>
         </p:txBody>
       </p:sp>
@@ -1637,6 +1931,66 @@
               </a:rPr>
               <a:t>Haitham</a:t>
             </a:r>
+          </a:p>
+          <a:p>
+            <a:r>
+              <a:rPr lang="fr-FR" dirty="0" smtClean="0">
+                <a:solidFill>
+                  <a:schemeClr val="bg1"/>
+                </a:solidFill>
+              </a:rPr>
+              <a:t>Objectifs</a:t>
+            </a:r>
+            <a:r>
+              <a:rPr lang="fr-FR" baseline="0" dirty="0" smtClean="0">
+                <a:solidFill>
+                  <a:schemeClr val="bg1"/>
+                </a:solidFill>
+              </a:rPr>
+              <a:t> :</a:t>
+            </a:r>
+          </a:p>
+          <a:p>
+            <a:pPr marL="171450" indent="-171450">
+              <a:buFontTx/>
+              <a:buChar char="-"/>
+            </a:pPr>
+            <a:r>
+              <a:rPr lang="fr-FR" baseline="0" dirty="0" smtClean="0">
+                <a:solidFill>
+                  <a:schemeClr val="bg1"/>
+                </a:solidFill>
+              </a:rPr>
+              <a:t>Comment exploiter ces données libres dans le cadre du projet</a:t>
+            </a:r>
+          </a:p>
+          <a:p>
+            <a:pPr marL="171450" indent="-171450">
+              <a:buFontTx/>
+              <a:buChar char="-"/>
+            </a:pPr>
+            <a:r>
+              <a:rPr lang="fr-FR" baseline="0" dirty="0" smtClean="0">
+                <a:solidFill>
+                  <a:schemeClr val="bg1"/>
+                </a:solidFill>
+              </a:rPr>
+              <a:t>Utilisation de la géolocalisation pour faciliter l’utilisation de l’application</a:t>
+            </a:r>
+          </a:p>
+          <a:p>
+            <a:pPr marL="171450" indent="-171450">
+              <a:buFontTx/>
+              <a:buChar char="-"/>
+            </a:pPr>
+            <a:r>
+              <a:rPr lang="fr-FR" baseline="0" dirty="0" smtClean="0">
+                <a:solidFill>
+                  <a:schemeClr val="bg1"/>
+                </a:solidFill>
+              </a:rPr>
+              <a:t>Rafraichissement des données pour avoir des données en temps réel si la personne reste un certain temps sur l’application</a:t>
+            </a:r>
             <a:endParaRPr lang="fr-FR" dirty="0"/>
           </a:p>
         </p:txBody>
@@ -1813,6 +2167,64 @@
               <a:rPr lang="fr-FR" dirty="0" smtClean="0"/>
               <a:t>Quentin</a:t>
             </a:r>
+          </a:p>
+          <a:p>
+            <a:r>
+              <a:rPr lang="fr-FR" dirty="0" smtClean="0"/>
+              <a:t>4</a:t>
+            </a:r>
+            <a:r>
+              <a:rPr lang="fr-FR" baseline="0" dirty="0" smtClean="0"/>
+              <a:t> parties pour cette application:</a:t>
+            </a:r>
+          </a:p>
+          <a:p>
+            <a:pPr marL="171450" indent="-171450">
+              <a:buFontTx/>
+              <a:buChar char="-"/>
+            </a:pPr>
+            <a:r>
+              <a:rPr lang="fr-FR" baseline="0" dirty="0" smtClean="0"/>
+              <a:t>Index : Cœur du programme, il lance la géolocalisation, affiche la carte et propose les différentes villes</a:t>
+            </a:r>
+          </a:p>
+          <a:p>
+            <a:pPr marL="171450" indent="-171450">
+              <a:buFontTx/>
+              <a:buChar char="-"/>
+            </a:pPr>
+            <a:r>
+              <a:rPr lang="fr-FR" baseline="0" dirty="0" smtClean="0"/>
+              <a:t>Géolocalisation : </a:t>
+            </a:r>
+            <a:r>
+              <a:rPr lang="fr-FR" baseline="0" dirty="0" err="1" smtClean="0"/>
+              <a:t>géolocalise</a:t>
+            </a:r>
+            <a:r>
+              <a:rPr lang="fr-FR" baseline="0" dirty="0" smtClean="0"/>
+              <a:t> l’utilisateur et adapte l’affichage suivant les villes</a:t>
+            </a:r>
+          </a:p>
+          <a:p>
+            <a:pPr marL="171450" indent="-171450">
+              <a:buFontTx/>
+              <a:buChar char="-"/>
+            </a:pPr>
+            <a:r>
+              <a:rPr lang="fr-FR" baseline="0" dirty="0" smtClean="0"/>
+              <a:t>Open data : Traitement des data et ou on les récupère</a:t>
+            </a:r>
+          </a:p>
+          <a:p>
+            <a:pPr marL="171450" indent="-171450">
+              <a:buFontTx/>
+              <a:buChar char="-"/>
+            </a:pPr>
+            <a:r>
+              <a:rPr lang="fr-FR" baseline="0" dirty="0" smtClean="0"/>
+              <a:t>Carte : légende de la carte avec données dynamiques et affiche la position de l’utilisateur </a:t>
+            </a:r>
             <a:endParaRPr lang="fr-FR" dirty="0"/>
           </a:p>
         </p:txBody>
@@ -2019,7 +2431,7 @@
     </p:spTree>
     <p:extLst>
       <p:ext uri="{BB962C8B-B14F-4D97-AF65-F5344CB8AC3E}">
-        <p14:creationId xmlns:p14="http://schemas.microsoft.com/office/powerpoint/2010/main" val="2534797076"/>
+        <p14:creationId xmlns:p14="http://schemas.microsoft.com/office/powerpoint/2010/main" val="748618149"/>
       </p:ext>
     </p:extLst>
   </p:cSld>
@@ -8013,6 +8425,525 @@
             <a:pPr algn="ctr"/>
             <a:r>
               <a:rPr lang="fr-FR" dirty="0" smtClean="0"/>
+              <a:t>Open data</a:t>
+            </a:r>
+            <a:endParaRPr lang="fr-FR" dirty="0"/>
+          </a:p>
+        </p:txBody>
+      </p:sp>
+      <p:sp>
+        <p:nvSpPr>
+          <p:cNvPr id="3" name="Espace réservé du contenu 2"/>
+          <p:cNvSpPr>
+            <a:spLocks noGrp="1"/>
+          </p:cNvSpPr>
+          <p:nvPr>
+            <p:ph idx="1"/>
+          </p:nvPr>
+        </p:nvSpPr>
+        <p:spPr>
+          <a:xfrm>
+            <a:off x="827584" y="2244597"/>
+            <a:ext cx="7738007" cy="3530600"/>
+          </a:xfrm>
+        </p:spPr>
+        <p:txBody>
+          <a:bodyPr>
+            <a:noAutofit/>
+          </a:bodyPr>
+          <a:lstStyle/>
+          <a:p>
+            <a:pPr>
+              <a:lnSpc>
+                <a:spcPct val="300000"/>
+              </a:lnSpc>
+            </a:pPr>
+            <a:r>
+              <a:rPr lang="fr-FR" sz="2600" dirty="0" err="1" smtClean="0"/>
+              <a:t>JCDecaux</a:t>
+            </a:r>
+            <a:endParaRPr lang="fr-FR" sz="2600" dirty="0" smtClean="0"/>
+          </a:p>
+          <a:p>
+            <a:pPr>
+              <a:lnSpc>
+                <a:spcPct val="300000"/>
+              </a:lnSpc>
+            </a:pPr>
+            <a:r>
+              <a:rPr lang="fr-FR" sz="2600" dirty="0" smtClean="0"/>
+              <a:t>Récupérer le fichier JSON à partir d’une URL</a:t>
+            </a:r>
+            <a:endParaRPr lang="fr-FR" sz="2600" dirty="0"/>
+          </a:p>
+          <a:p>
+            <a:pPr>
+              <a:lnSpc>
+                <a:spcPct val="300000"/>
+              </a:lnSpc>
+            </a:pPr>
+            <a:r>
+              <a:rPr lang="fr-FR" sz="2600" dirty="0" smtClean="0"/>
+              <a:t>Lire le fichier JSON récupéré</a:t>
+            </a:r>
+          </a:p>
+        </p:txBody>
+      </p:sp>
+      <p:sp>
+        <p:nvSpPr>
+          <p:cNvPr id="4" name="Espace réservé de la date 3"/>
+          <p:cNvSpPr>
+            <a:spLocks noGrp="1"/>
+          </p:cNvSpPr>
+          <p:nvPr>
+            <p:ph type="dt" sz="half" idx="10"/>
+          </p:nvPr>
+        </p:nvSpPr>
+        <p:spPr/>
+        <p:txBody>
+          <a:bodyPr/>
+          <a:lstStyle/>
+          <a:p>
+            <a:endParaRPr lang="fr-FR"/>
+          </a:p>
+        </p:txBody>
+      </p:sp>
+      <p:sp>
+        <p:nvSpPr>
+          <p:cNvPr id="5" name="Espace réservé du pied de page 4"/>
+          <p:cNvSpPr>
+            <a:spLocks noGrp="1"/>
+          </p:cNvSpPr>
+          <p:nvPr>
+            <p:ph type="ftr" sz="quarter" idx="11"/>
+          </p:nvPr>
+        </p:nvSpPr>
+        <p:spPr/>
+        <p:txBody>
+          <a:bodyPr/>
+          <a:lstStyle/>
+          <a:p>
+            <a:r>
+              <a:rPr lang="fr-FR" dirty="0" smtClean="0"/>
+              <a:t>Bradai - Curtet - Morbois</a:t>
+            </a:r>
+            <a:endParaRPr lang="fr-FR" dirty="0"/>
+          </a:p>
+        </p:txBody>
+      </p:sp>
+      <p:sp>
+        <p:nvSpPr>
+          <p:cNvPr id="6" name="Espace réservé du numéro de diapositive 5"/>
+          <p:cNvSpPr>
+            <a:spLocks noGrp="1"/>
+          </p:cNvSpPr>
+          <p:nvPr>
+            <p:ph type="sldNum" sz="quarter" idx="12"/>
+          </p:nvPr>
+        </p:nvSpPr>
+        <p:spPr/>
+        <p:txBody>
+          <a:bodyPr/>
+          <a:lstStyle/>
+          <a:p>
+            <a:fld id="{857C6835-BC19-4786-ADE8-E52C5E396243}" type="slidenum">
+              <a:rPr lang="fr-FR" smtClean="0"/>
+              <a:t>10</a:t>
+            </a:fld>
+            <a:endParaRPr lang="fr-FR"/>
+          </a:p>
+        </p:txBody>
+      </p:sp>
+    </p:spTree>
+    <p:extLst>
+      <p:ext uri="{BB962C8B-B14F-4D97-AF65-F5344CB8AC3E}">
+        <p14:creationId xmlns:p14="http://schemas.microsoft.com/office/powerpoint/2010/main" val="2752890312"/>
+      </p:ext>
+    </p:extLst>
+  </p:cSld>
+  <p:clrMapOvr>
+    <a:masterClrMapping/>
+  </p:clrMapOvr>
+  <p:transition spd="slow">
+    <p:push dir="u"/>
+  </p:transition>
+  <p:timing>
+    <p:tnLst>
+      <p:par>
+        <p:cTn id="1" dur="indefinite" restart="never" nodeType="tmRoot">
+          <p:childTnLst>
+            <p:seq concurrent="1" nextAc="seek">
+              <p:cTn id="2" dur="indefinite" nodeType="mainSeq">
+                <p:childTnLst>
+                  <p:par>
+                    <p:cTn id="3" fill="hold">
+                      <p:stCondLst>
+                        <p:cond delay="indefinite"/>
+                      </p:stCondLst>
+                      <p:childTnLst>
+                        <p:par>
+                          <p:cTn id="4" fill="hold">
+                            <p:stCondLst>
+                              <p:cond delay="0"/>
+                            </p:stCondLst>
+                            <p:childTnLst>
+                              <p:par>
+                                <p:cTn id="5" presetID="2" presetClass="entr" presetSubtype="4" fill="hold" nodeType="clickEffect">
+                                  <p:stCondLst>
+                                    <p:cond delay="0"/>
+                                  </p:stCondLst>
+                                  <p:childTnLst>
+                                    <p:set>
+                                      <p:cBhvr>
+                                        <p:cTn id="6" dur="1" fill="hold">
+                                          <p:stCondLst>
+                                            <p:cond delay="0"/>
+                                          </p:stCondLst>
+                                        </p:cTn>
+                                        <p:tgtEl>
+                                          <p:spTgt spid="3">
+                                            <p:txEl>
+                                              <p:pRg st="0" end="0"/>
+                                            </p:txEl>
+                                          </p:spTgt>
+                                        </p:tgtEl>
+                                        <p:attrNameLst>
+                                          <p:attrName>style.visibility</p:attrName>
+                                        </p:attrNameLst>
+                                      </p:cBhvr>
+                                      <p:to>
+                                        <p:strVal val="visible"/>
+                                      </p:to>
+                                    </p:set>
+                                    <p:anim calcmode="lin" valueType="num">
+                                      <p:cBhvr additive="base">
+                                        <p:cTn id="7" dur="500" fill="hold"/>
+                                        <p:tgtEl>
+                                          <p:spTgt spid="3">
+                                            <p:txEl>
+                                              <p:pRg st="0" end="0"/>
+                                            </p:txEl>
+                                          </p:spTgt>
+                                        </p:tgtEl>
+                                        <p:attrNameLst>
+                                          <p:attrName>ppt_x</p:attrName>
+                                        </p:attrNameLst>
+                                      </p:cBhvr>
+                                      <p:tavLst>
+                                        <p:tav tm="0">
+                                          <p:val>
+                                            <p:strVal val="#ppt_x"/>
+                                          </p:val>
+                                        </p:tav>
+                                        <p:tav tm="100000">
+                                          <p:val>
+                                            <p:strVal val="#ppt_x"/>
+                                          </p:val>
+                                        </p:tav>
+                                      </p:tavLst>
+                                    </p:anim>
+                                    <p:anim calcmode="lin" valueType="num">
+                                      <p:cBhvr additive="base">
+                                        <p:cTn id="8" dur="500" fill="hold"/>
+                                        <p:tgtEl>
+                                          <p:spTgt spid="3">
+                                            <p:txEl>
+                                              <p:pRg st="0" end="0"/>
+                                            </p:txEl>
+                                          </p:spTgt>
+                                        </p:tgtEl>
+                                        <p:attrNameLst>
+                                          <p:attrName>ppt_y</p:attrName>
+                                        </p:attrNameLst>
+                                      </p:cBhvr>
+                                      <p:tavLst>
+                                        <p:tav tm="0">
+                                          <p:val>
+                                            <p:strVal val="1+#ppt_h/2"/>
+                                          </p:val>
+                                        </p:tav>
+                                        <p:tav tm="100000">
+                                          <p:val>
+                                            <p:strVal val="#ppt_y"/>
+                                          </p:val>
+                                        </p:tav>
+                                      </p:tavLst>
+                                    </p:anim>
+                                  </p:childTnLst>
+                                </p:cTn>
+                              </p:par>
+                            </p:childTnLst>
+                          </p:cTn>
+                        </p:par>
+                      </p:childTnLst>
+                    </p:cTn>
+                  </p:par>
+                  <p:par>
+                    <p:cTn id="9" fill="hold">
+                      <p:stCondLst>
+                        <p:cond delay="indefinite"/>
+                      </p:stCondLst>
+                      <p:childTnLst>
+                        <p:par>
+                          <p:cTn id="10" fill="hold">
+                            <p:stCondLst>
+                              <p:cond delay="0"/>
+                            </p:stCondLst>
+                            <p:childTnLst>
+                              <p:par>
+                                <p:cTn id="11" presetID="2" presetClass="entr" presetSubtype="4" fill="hold" nodeType="clickEffect">
+                                  <p:stCondLst>
+                                    <p:cond delay="0"/>
+                                  </p:stCondLst>
+                                  <p:childTnLst>
+                                    <p:set>
+                                      <p:cBhvr>
+                                        <p:cTn id="12" dur="1" fill="hold">
+                                          <p:stCondLst>
+                                            <p:cond delay="0"/>
+                                          </p:stCondLst>
+                                        </p:cTn>
+                                        <p:tgtEl>
+                                          <p:spTgt spid="3">
+                                            <p:txEl>
+                                              <p:pRg st="1" end="1"/>
+                                            </p:txEl>
+                                          </p:spTgt>
+                                        </p:tgtEl>
+                                        <p:attrNameLst>
+                                          <p:attrName>style.visibility</p:attrName>
+                                        </p:attrNameLst>
+                                      </p:cBhvr>
+                                      <p:to>
+                                        <p:strVal val="visible"/>
+                                      </p:to>
+                                    </p:set>
+                                    <p:anim calcmode="lin" valueType="num">
+                                      <p:cBhvr additive="base">
+                                        <p:cTn id="13" dur="500" fill="hold"/>
+                                        <p:tgtEl>
+                                          <p:spTgt spid="3">
+                                            <p:txEl>
+                                              <p:pRg st="1" end="1"/>
+                                            </p:txEl>
+                                          </p:spTgt>
+                                        </p:tgtEl>
+                                        <p:attrNameLst>
+                                          <p:attrName>ppt_x</p:attrName>
+                                        </p:attrNameLst>
+                                      </p:cBhvr>
+                                      <p:tavLst>
+                                        <p:tav tm="0">
+                                          <p:val>
+                                            <p:strVal val="#ppt_x"/>
+                                          </p:val>
+                                        </p:tav>
+                                        <p:tav tm="100000">
+                                          <p:val>
+                                            <p:strVal val="#ppt_x"/>
+                                          </p:val>
+                                        </p:tav>
+                                      </p:tavLst>
+                                    </p:anim>
+                                    <p:anim calcmode="lin" valueType="num">
+                                      <p:cBhvr additive="base">
+                                        <p:cTn id="14" dur="500" fill="hold"/>
+                                        <p:tgtEl>
+                                          <p:spTgt spid="3">
+                                            <p:txEl>
+                                              <p:pRg st="1" end="1"/>
+                                            </p:txEl>
+                                          </p:spTgt>
+                                        </p:tgtEl>
+                                        <p:attrNameLst>
+                                          <p:attrName>ppt_y</p:attrName>
+                                        </p:attrNameLst>
+                                      </p:cBhvr>
+                                      <p:tavLst>
+                                        <p:tav tm="0">
+                                          <p:val>
+                                            <p:strVal val="1+#ppt_h/2"/>
+                                          </p:val>
+                                        </p:tav>
+                                        <p:tav tm="100000">
+                                          <p:val>
+                                            <p:strVal val="#ppt_y"/>
+                                          </p:val>
+                                        </p:tav>
+                                      </p:tavLst>
+                                    </p:anim>
+                                  </p:childTnLst>
+                                </p:cTn>
+                              </p:par>
+                            </p:childTnLst>
+                          </p:cTn>
+                        </p:par>
+                      </p:childTnLst>
+                    </p:cTn>
+                  </p:par>
+                  <p:par>
+                    <p:cTn id="15" fill="hold">
+                      <p:stCondLst>
+                        <p:cond delay="indefinite"/>
+                      </p:stCondLst>
+                      <p:childTnLst>
+                        <p:par>
+                          <p:cTn id="16" fill="hold">
+                            <p:stCondLst>
+                              <p:cond delay="0"/>
+                            </p:stCondLst>
+                            <p:childTnLst>
+                              <p:par>
+                                <p:cTn id="17" presetID="2" presetClass="entr" presetSubtype="4" fill="hold" nodeType="clickEffect">
+                                  <p:stCondLst>
+                                    <p:cond delay="0"/>
+                                  </p:stCondLst>
+                                  <p:childTnLst>
+                                    <p:set>
+                                      <p:cBhvr>
+                                        <p:cTn id="18" dur="1" fill="hold">
+                                          <p:stCondLst>
+                                            <p:cond delay="0"/>
+                                          </p:stCondLst>
+                                        </p:cTn>
+                                        <p:tgtEl>
+                                          <p:spTgt spid="3">
+                                            <p:txEl>
+                                              <p:pRg st="2" end="2"/>
+                                            </p:txEl>
+                                          </p:spTgt>
+                                        </p:tgtEl>
+                                        <p:attrNameLst>
+                                          <p:attrName>style.visibility</p:attrName>
+                                        </p:attrNameLst>
+                                      </p:cBhvr>
+                                      <p:to>
+                                        <p:strVal val="visible"/>
+                                      </p:to>
+                                    </p:set>
+                                    <p:anim calcmode="lin" valueType="num">
+                                      <p:cBhvr additive="base">
+                                        <p:cTn id="19" dur="500" fill="hold"/>
+                                        <p:tgtEl>
+                                          <p:spTgt spid="3">
+                                            <p:txEl>
+                                              <p:pRg st="2" end="2"/>
+                                            </p:txEl>
+                                          </p:spTgt>
+                                        </p:tgtEl>
+                                        <p:attrNameLst>
+                                          <p:attrName>ppt_x</p:attrName>
+                                        </p:attrNameLst>
+                                      </p:cBhvr>
+                                      <p:tavLst>
+                                        <p:tav tm="0">
+                                          <p:val>
+                                            <p:strVal val="#ppt_x"/>
+                                          </p:val>
+                                        </p:tav>
+                                        <p:tav tm="100000">
+                                          <p:val>
+                                            <p:strVal val="#ppt_x"/>
+                                          </p:val>
+                                        </p:tav>
+                                      </p:tavLst>
+                                    </p:anim>
+                                    <p:anim calcmode="lin" valueType="num">
+                                      <p:cBhvr additive="base">
+                                        <p:cTn id="20" dur="500" fill="hold"/>
+                                        <p:tgtEl>
+                                          <p:spTgt spid="3">
+                                            <p:txEl>
+                                              <p:pRg st="2" end="2"/>
+                                            </p:txEl>
+                                          </p:spTgt>
+                                        </p:tgtEl>
+                                        <p:attrNameLst>
+                                          <p:attrName>ppt_y</p:attrName>
+                                        </p:attrNameLst>
+                                      </p:cBhvr>
+                                      <p:tavLst>
+                                        <p:tav tm="0">
+                                          <p:val>
+                                            <p:strVal val="1+#ppt_h/2"/>
+                                          </p:val>
+                                        </p:tav>
+                                        <p:tav tm="100000">
+                                          <p:val>
+                                            <p:strVal val="#ppt_y"/>
+                                          </p:val>
+                                        </p:tav>
+                                      </p:tavLst>
+                                    </p:anim>
+                                  </p:childTnLst>
+                                </p:cTn>
+                              </p:par>
+                            </p:childTnLst>
+                          </p:cTn>
+                        </p:par>
+                      </p:childTnLst>
+                    </p:cTn>
+                  </p:par>
+                </p:childTnLst>
+              </p:cTn>
+              <p:prevCondLst>
+                <p:cond evt="onPrev" delay="0">
+                  <p:tgtEl>
+                    <p:sldTgt/>
+                  </p:tgtEl>
+                </p:cond>
+              </p:prevCondLst>
+              <p:nextCondLst>
+                <p:cond evt="onNext" delay="0">
+                  <p:tgtEl>
+                    <p:sldTgt/>
+                  </p:tgtEl>
+                </p:cond>
+              </p:nextCondLst>
+            </p:seq>
+          </p:childTnLst>
+        </p:cTn>
+      </p:par>
+    </p:tnLst>
+  </p:timing>
+</p:sld>
+</file>
+
+<file path=ppt/slides/slide11.xml><?xml version="1.0" encoding="utf-8"?>
+<p:sld xmlns:a="http://schemas.openxmlformats.org/drawingml/2006/main" xmlns:r="http://schemas.openxmlformats.org/officeDocument/2006/relationships" xmlns:p="http://schemas.openxmlformats.org/presentationml/2006/main">
+  <p:cSld>
+    <p:spTree>
+      <p:nvGrpSpPr>
+        <p:cNvPr id="1" name=""/>
+        <p:cNvGrpSpPr/>
+        <p:nvPr/>
+      </p:nvGrpSpPr>
+      <p:grpSpPr>
+        <a:xfrm>
+          <a:off x="0" y="0"/>
+          <a:ext cx="0" cy="0"/>
+          <a:chOff x="0" y="0"/>
+          <a:chExt cx="0" cy="0"/>
+        </a:xfrm>
+      </p:grpSpPr>
+      <p:sp>
+        <p:nvSpPr>
+          <p:cNvPr id="2" name="Titre 1"/>
+          <p:cNvSpPr>
+            <a:spLocks noGrp="1"/>
+          </p:cNvSpPr>
+          <p:nvPr>
+            <p:ph type="title"/>
+          </p:nvPr>
+        </p:nvSpPr>
+        <p:spPr/>
+        <p:txBody>
+          <a:bodyPr/>
+          <a:lstStyle/>
+          <a:p>
+            <a:pPr algn="ctr"/>
+            <a:r>
+              <a:rPr lang="fr-FR" dirty="0" smtClean="0"/>
               <a:t>Carte</a:t>
             </a:r>
             <a:endParaRPr lang="fr-FR" dirty="0"/>
@@ -8048,11 +8979,7 @@
             </a:pPr>
             <a:r>
               <a:rPr lang="fr-FR" sz="2600" dirty="0" smtClean="0"/>
-              <a:t>Afficher </a:t>
-            </a:r>
-            <a:r>
-              <a:rPr lang="fr-FR" sz="2600" dirty="0" smtClean="0"/>
-              <a:t>la position de l’utilisateur</a:t>
+              <a:t>Afficher la position de l’utilisateur</a:t>
             </a:r>
           </a:p>
           <a:p>
@@ -8074,13 +9001,8 @@
             </a:pPr>
             <a:r>
               <a:rPr lang="fr-FR" sz="2600" dirty="0" smtClean="0"/>
-              <a:t>Données </a:t>
-            </a:r>
-            <a:r>
-              <a:rPr lang="fr-FR" sz="2600" dirty="0" smtClean="0"/>
-              <a:t>dynamiques</a:t>
-            </a:r>
-            <a:endParaRPr lang="fr-FR" sz="2600" dirty="0" smtClean="0"/>
+              <a:t>Données dynamiques</a:t>
+            </a:r>
           </a:p>
         </p:txBody>
       </p:sp>
@@ -8143,7 +9065,7 @@
           <a:p>
             <a:fld id="{857C6835-BC19-4786-ADE8-E52C5E396243}" type="slidenum">
               <a:rPr lang="fr-FR" smtClean="0"/>
-              <a:t>10</a:t>
+              <a:t>11</a:t>
             </a:fld>
             <a:endParaRPr lang="fr-FR"/>
           </a:p>
@@ -8504,410 +9426,6 @@
 </p:sld>
 </file>
 
-<file path=ppt/slides/slide11.xml><?xml version="1.0" encoding="utf-8"?>
-<p:sld xmlns:a="http://schemas.openxmlformats.org/drawingml/2006/main" xmlns:r="http://schemas.openxmlformats.org/officeDocument/2006/relationships" xmlns:p="http://schemas.openxmlformats.org/presentationml/2006/main">
-  <p:cSld>
-    <p:spTree>
-      <p:nvGrpSpPr>
-        <p:cNvPr id="1" name=""/>
-        <p:cNvGrpSpPr/>
-        <p:nvPr/>
-      </p:nvGrpSpPr>
-      <p:grpSpPr>
-        <a:xfrm>
-          <a:off x="0" y="0"/>
-          <a:ext cx="0" cy="0"/>
-          <a:chOff x="0" y="0"/>
-          <a:chExt cx="0" cy="0"/>
-        </a:xfrm>
-      </p:grpSpPr>
-      <p:sp>
-        <p:nvSpPr>
-          <p:cNvPr id="2" name="Titre 1"/>
-          <p:cNvSpPr>
-            <a:spLocks noGrp="1"/>
-          </p:cNvSpPr>
-          <p:nvPr>
-            <p:ph type="title"/>
-          </p:nvPr>
-        </p:nvSpPr>
-        <p:spPr/>
-        <p:txBody>
-          <a:bodyPr/>
-          <a:lstStyle/>
-          <a:p>
-            <a:pPr algn="ctr"/>
-            <a:r>
-              <a:rPr lang="fr-FR" dirty="0" smtClean="0"/>
-              <a:t>Géolocalisation</a:t>
-            </a:r>
-            <a:endParaRPr lang="fr-FR" dirty="0"/>
-          </a:p>
-        </p:txBody>
-      </p:sp>
-      <p:sp>
-        <p:nvSpPr>
-          <p:cNvPr id="3" name="Espace réservé du contenu 2"/>
-          <p:cNvSpPr>
-            <a:spLocks noGrp="1"/>
-          </p:cNvSpPr>
-          <p:nvPr>
-            <p:ph idx="1"/>
-          </p:nvPr>
-        </p:nvSpPr>
-        <p:spPr>
-          <a:xfrm>
-            <a:off x="871902" y="2564904"/>
-            <a:ext cx="7663797" cy="3530600"/>
-          </a:xfrm>
-        </p:spPr>
-        <p:txBody>
-          <a:bodyPr>
-            <a:normAutofit/>
-          </a:bodyPr>
-          <a:lstStyle/>
-          <a:p>
-            <a:pPr>
-              <a:lnSpc>
-                <a:spcPct val="250000"/>
-              </a:lnSpc>
-            </a:pPr>
-            <a:r>
-              <a:rPr lang="fr-FR" sz="2600" dirty="0" smtClean="0"/>
-              <a:t>Cible l’utilisateur</a:t>
-            </a:r>
-          </a:p>
-          <a:p>
-            <a:pPr>
-              <a:lnSpc>
-                <a:spcPct val="250000"/>
-              </a:lnSpc>
-            </a:pPr>
-            <a:r>
-              <a:rPr lang="fr-FR" sz="2600" dirty="0" smtClean="0"/>
-              <a:t>Adapte l’affichage par défaut</a:t>
-            </a:r>
-            <a:endParaRPr lang="fr-FR" sz="2600" dirty="0"/>
-          </a:p>
-        </p:txBody>
-      </p:sp>
-      <p:sp>
-        <p:nvSpPr>
-          <p:cNvPr id="5" name="Espace réservé de la date 4"/>
-          <p:cNvSpPr>
-            <a:spLocks noGrp="1"/>
-          </p:cNvSpPr>
-          <p:nvPr>
-            <p:ph type="dt" sz="half" idx="10"/>
-          </p:nvPr>
-        </p:nvSpPr>
-        <p:spPr/>
-        <p:txBody>
-          <a:bodyPr/>
-          <a:lstStyle/>
-          <a:p>
-            <a:endParaRPr lang="fr-FR"/>
-          </a:p>
-        </p:txBody>
-      </p:sp>
-      <p:sp>
-        <p:nvSpPr>
-          <p:cNvPr id="6" name="Espace réservé du pied de page 5"/>
-          <p:cNvSpPr>
-            <a:spLocks noGrp="1"/>
-          </p:cNvSpPr>
-          <p:nvPr>
-            <p:ph type="ftr" sz="quarter" idx="11"/>
-          </p:nvPr>
-        </p:nvSpPr>
-        <p:spPr/>
-        <p:txBody>
-          <a:bodyPr/>
-          <a:lstStyle/>
-          <a:p>
-            <a:r>
-              <a:rPr lang="fr-FR" dirty="0" smtClean="0"/>
-              <a:t>Bradai - Curtet - Morbois</a:t>
-            </a:r>
-            <a:endParaRPr lang="fr-FR" dirty="0"/>
-          </a:p>
-        </p:txBody>
-      </p:sp>
-      <p:sp>
-        <p:nvSpPr>
-          <p:cNvPr id="7" name="Espace réservé du numéro de diapositive 6"/>
-          <p:cNvSpPr>
-            <a:spLocks noGrp="1"/>
-          </p:cNvSpPr>
-          <p:nvPr>
-            <p:ph type="sldNum" sz="quarter" idx="12"/>
-          </p:nvPr>
-        </p:nvSpPr>
-        <p:spPr/>
-        <p:txBody>
-          <a:bodyPr/>
-          <a:lstStyle/>
-          <a:p>
-            <a:fld id="{857C6835-BC19-4786-ADE8-E52C5E396243}" type="slidenum">
-              <a:rPr lang="fr-FR" smtClean="0"/>
-              <a:t>11</a:t>
-            </a:fld>
-            <a:endParaRPr lang="fr-FR"/>
-          </a:p>
-        </p:txBody>
-      </p:sp>
-    </p:spTree>
-    <p:extLst>
-      <p:ext uri="{BB962C8B-B14F-4D97-AF65-F5344CB8AC3E}">
-        <p14:creationId xmlns:p14="http://schemas.microsoft.com/office/powerpoint/2010/main" val="2418377265"/>
-      </p:ext>
-    </p:extLst>
-  </p:cSld>
-  <p:clrMapOvr>
-    <a:masterClrMapping/>
-  </p:clrMapOvr>
-  <p:transition spd="slow">
-    <p:push dir="u"/>
-  </p:transition>
-  <p:timing>
-    <p:tnLst>
-      <p:par>
-        <p:cTn id="1" dur="indefinite" restart="never" nodeType="tmRoot">
-          <p:childTnLst>
-            <p:seq concurrent="1" nextAc="seek">
-              <p:cTn id="2" dur="indefinite" nodeType="mainSeq">
-                <p:childTnLst>
-                  <p:par>
-                    <p:cTn id="3" fill="hold">
-                      <p:stCondLst>
-                        <p:cond delay="indefinite"/>
-                      </p:stCondLst>
-                      <p:childTnLst>
-                        <p:par>
-                          <p:cTn id="4" fill="hold">
-                            <p:stCondLst>
-                              <p:cond delay="0"/>
-                            </p:stCondLst>
-                            <p:childTnLst>
-                              <p:par>
-                                <p:cTn id="5" presetID="2" presetClass="entr" presetSubtype="4" fill="hold" nodeType="clickEffect">
-                                  <p:stCondLst>
-                                    <p:cond delay="0"/>
-                                  </p:stCondLst>
-                                  <p:childTnLst>
-                                    <p:set>
-                                      <p:cBhvr>
-                                        <p:cTn id="6" dur="1" fill="hold">
-                                          <p:stCondLst>
-                                            <p:cond delay="0"/>
-                                          </p:stCondLst>
-                                        </p:cTn>
-                                        <p:tgtEl>
-                                          <p:spTgt spid="3">
-                                            <p:txEl>
-                                              <p:pRg st="0" end="0"/>
-                                            </p:txEl>
-                                          </p:spTgt>
-                                        </p:tgtEl>
-                                        <p:attrNameLst>
-                                          <p:attrName>style.visibility</p:attrName>
-                                        </p:attrNameLst>
-                                      </p:cBhvr>
-                                      <p:to>
-                                        <p:strVal val="visible"/>
-                                      </p:to>
-                                    </p:set>
-                                    <p:anim calcmode="lin" valueType="num">
-                                      <p:cBhvr additive="base">
-                                        <p:cTn id="7" dur="500" fill="hold"/>
-                                        <p:tgtEl>
-                                          <p:spTgt spid="3">
-                                            <p:txEl>
-                                              <p:pRg st="0" end="0"/>
-                                            </p:txEl>
-                                          </p:spTgt>
-                                        </p:tgtEl>
-                                        <p:attrNameLst>
-                                          <p:attrName>ppt_x</p:attrName>
-                                        </p:attrNameLst>
-                                      </p:cBhvr>
-                                      <p:tavLst>
-                                        <p:tav tm="0">
-                                          <p:val>
-                                            <p:strVal val="#ppt_x"/>
-                                          </p:val>
-                                        </p:tav>
-                                        <p:tav tm="100000">
-                                          <p:val>
-                                            <p:strVal val="#ppt_x"/>
-                                          </p:val>
-                                        </p:tav>
-                                      </p:tavLst>
-                                    </p:anim>
-                                    <p:anim calcmode="lin" valueType="num">
-                                      <p:cBhvr additive="base">
-                                        <p:cTn id="8" dur="500" fill="hold"/>
-                                        <p:tgtEl>
-                                          <p:spTgt spid="3">
-                                            <p:txEl>
-                                              <p:pRg st="0" end="0"/>
-                                            </p:txEl>
-                                          </p:spTgt>
-                                        </p:tgtEl>
-                                        <p:attrNameLst>
-                                          <p:attrName>ppt_y</p:attrName>
-                                        </p:attrNameLst>
-                                      </p:cBhvr>
-                                      <p:tavLst>
-                                        <p:tav tm="0">
-                                          <p:val>
-                                            <p:strVal val="1+#ppt_h/2"/>
-                                          </p:val>
-                                        </p:tav>
-                                        <p:tav tm="100000">
-                                          <p:val>
-                                            <p:strVal val="#ppt_y"/>
-                                          </p:val>
-                                        </p:tav>
-                                      </p:tavLst>
-                                    </p:anim>
-                                  </p:childTnLst>
-                                </p:cTn>
-                              </p:par>
-                            </p:childTnLst>
-                          </p:cTn>
-                        </p:par>
-                      </p:childTnLst>
-                    </p:cTn>
-                  </p:par>
-                  <p:par>
-                    <p:cTn id="9" fill="hold">
-                      <p:stCondLst>
-                        <p:cond delay="indefinite"/>
-                      </p:stCondLst>
-                      <p:childTnLst>
-                        <p:par>
-                          <p:cTn id="10" fill="hold">
-                            <p:stCondLst>
-                              <p:cond delay="0"/>
-                            </p:stCondLst>
-                            <p:childTnLst>
-                              <p:par>
-                                <p:cTn id="11" presetID="2" presetClass="entr" presetSubtype="4" fill="hold" nodeType="clickEffect">
-                                  <p:stCondLst>
-                                    <p:cond delay="0"/>
-                                  </p:stCondLst>
-                                  <p:childTnLst>
-                                    <p:set>
-                                      <p:cBhvr>
-                                        <p:cTn id="12" dur="1" fill="hold">
-                                          <p:stCondLst>
-                                            <p:cond delay="0"/>
-                                          </p:stCondLst>
-                                        </p:cTn>
-                                        <p:tgtEl>
-                                          <p:spTgt spid="3">
-                                            <p:txEl>
-                                              <p:pRg st="1" end="1"/>
-                                            </p:txEl>
-                                          </p:spTgt>
-                                        </p:tgtEl>
-                                        <p:attrNameLst>
-                                          <p:attrName>style.visibility</p:attrName>
-                                        </p:attrNameLst>
-                                      </p:cBhvr>
-                                      <p:to>
-                                        <p:strVal val="visible"/>
-                                      </p:to>
-                                    </p:set>
-                                    <p:anim calcmode="lin" valueType="num">
-                                      <p:cBhvr additive="base">
-                                        <p:cTn id="13" dur="500" fill="hold"/>
-                                        <p:tgtEl>
-                                          <p:spTgt spid="3">
-                                            <p:txEl>
-                                              <p:pRg st="1" end="1"/>
-                                            </p:txEl>
-                                          </p:spTgt>
-                                        </p:tgtEl>
-                                        <p:attrNameLst>
-                                          <p:attrName>ppt_x</p:attrName>
-                                        </p:attrNameLst>
-                                      </p:cBhvr>
-                                      <p:tavLst>
-                                        <p:tav tm="0">
-                                          <p:val>
-                                            <p:strVal val="#ppt_x"/>
-                                          </p:val>
-                                        </p:tav>
-                                        <p:tav tm="100000">
-                                          <p:val>
-                                            <p:strVal val="#ppt_x"/>
-                                          </p:val>
-                                        </p:tav>
-                                      </p:tavLst>
-                                    </p:anim>
-                                    <p:anim calcmode="lin" valueType="num">
-                                      <p:cBhvr additive="base">
-                                        <p:cTn id="14" dur="500" fill="hold"/>
-                                        <p:tgtEl>
-                                          <p:spTgt spid="3">
-                                            <p:txEl>
-                                              <p:pRg st="1" end="1"/>
-                                            </p:txEl>
-                                          </p:spTgt>
-                                        </p:tgtEl>
-                                        <p:attrNameLst>
-                                          <p:attrName>ppt_y</p:attrName>
-                                        </p:attrNameLst>
-                                      </p:cBhvr>
-                                      <p:tavLst>
-                                        <p:tav tm="0">
-                                          <p:val>
-                                            <p:strVal val="1+#ppt_h/2"/>
-                                          </p:val>
-                                        </p:tav>
-                                        <p:tav tm="100000">
-                                          <p:val>
-                                            <p:strVal val="#ppt_y"/>
-                                          </p:val>
-                                        </p:tav>
-                                      </p:tavLst>
-                                    </p:anim>
-                                  </p:childTnLst>
-                                </p:cTn>
-                              </p:par>
-                            </p:childTnLst>
-                          </p:cTn>
-                        </p:par>
-                      </p:childTnLst>
-                    </p:cTn>
-                  </p:par>
-                </p:childTnLst>
-              </p:cTn>
-              <p:prevCondLst>
-                <p:cond evt="onPrev" delay="0">
-                  <p:tgtEl>
-                    <p:sldTgt/>
-                  </p:tgtEl>
-                </p:cond>
-              </p:prevCondLst>
-              <p:nextCondLst>
-                <p:cond evt="onNext" delay="0">
-                  <p:tgtEl>
-                    <p:sldTgt/>
-                  </p:tgtEl>
-                </p:cond>
-              </p:nextCondLst>
-            </p:seq>
-          </p:childTnLst>
-        </p:cTn>
-      </p:par>
-    </p:tnLst>
-  </p:timing>
-</p:sld>
-</file>
-
 <file path=ppt/slides/slide12.xml><?xml version="1.0" encoding="utf-8"?>
 <p:sld xmlns:a="http://schemas.openxmlformats.org/drawingml/2006/main" xmlns:r="http://schemas.openxmlformats.org/officeDocument/2006/relationships" xmlns:p="http://schemas.openxmlformats.org/presentationml/2006/main">
   <p:cSld>
@@ -9280,7 +9798,6 @@
               <a:rPr lang="fr-FR" sz="2600" dirty="0" smtClean="0"/>
               <a:t>ocalisation</a:t>
             </a:r>
-            <a:endParaRPr lang="fr-FR" sz="2600" dirty="0" smtClean="0"/>
           </a:p>
           <a:p>
             <a:pPr>
@@ -10195,15 +10712,7 @@
             </a:pPr>
             <a:r>
               <a:rPr lang="fr-FR" sz="2600" dirty="0" smtClean="0"/>
-              <a:t>Mise en œuvre </a:t>
-            </a:r>
-            <a:r>
-              <a:rPr lang="fr-FR" sz="2600" dirty="0" smtClean="0"/>
-              <a:t>d’une </a:t>
-            </a:r>
-            <a:r>
-              <a:rPr lang="fr-FR" sz="2600" dirty="0" smtClean="0"/>
-              <a:t>charte de codage</a:t>
+              <a:t>Mise en œuvre d’une charte de codage</a:t>
             </a:r>
           </a:p>
           <a:p>
@@ -10883,15 +11392,7 @@
             </a:pPr>
             <a:r>
               <a:rPr lang="fr-FR" sz="2600" dirty="0" smtClean="0"/>
-              <a:t>Comment </a:t>
-            </a:r>
-            <a:r>
-              <a:rPr lang="fr-FR" sz="2600" dirty="0" smtClean="0"/>
-              <a:t>l’avons-nous </a:t>
-            </a:r>
-            <a:r>
-              <a:rPr lang="fr-FR" sz="2600" dirty="0" smtClean="0"/>
-              <a:t>réalisé ?</a:t>
+              <a:t>Comment l’avons-nous réalisé ?</a:t>
             </a:r>
           </a:p>
           <a:p>
@@ -14604,7 +15105,7 @@
             <a:pPr algn="ctr"/>
             <a:r>
               <a:rPr lang="fr-FR" dirty="0" smtClean="0"/>
-              <a:t>Open data</a:t>
+              <a:t>Géolocalisation</a:t>
             </a:r>
             <a:endParaRPr lang="fr-FR" dirty="0"/>
           </a:p>
@@ -14622,55 +15123,43 @@
         </p:nvSpPr>
         <p:spPr>
           <a:xfrm>
-            <a:off x="827584" y="2244597"/>
-            <a:ext cx="7738007" cy="3530600"/>
+            <a:off x="871902" y="2564904"/>
+            <a:ext cx="7663797" cy="3530600"/>
           </a:xfrm>
         </p:spPr>
         <p:txBody>
           <a:bodyPr>
-            <a:noAutofit/>
+            <a:normAutofit/>
           </a:bodyPr>
           <a:lstStyle/>
           <a:p>
             <a:pPr>
               <a:lnSpc>
-                <a:spcPct val="300000"/>
+                <a:spcPct val="250000"/>
               </a:lnSpc>
             </a:pPr>
             <a:r>
-              <a:rPr lang="fr-FR" sz="2600" dirty="0" err="1" smtClean="0"/>
-              <a:t>JCDecaux</a:t>
-            </a:r>
-            <a:endParaRPr lang="fr-FR" sz="2600" dirty="0" smtClean="0"/>
+              <a:rPr lang="fr-FR" sz="2600" dirty="0" smtClean="0"/>
+              <a:t>Cible l’utilisateur</a:t>
+            </a:r>
           </a:p>
           <a:p>
             <a:pPr>
               <a:lnSpc>
-                <a:spcPct val="300000"/>
+                <a:spcPct val="250000"/>
               </a:lnSpc>
             </a:pPr>
             <a:r>
               <a:rPr lang="fr-FR" sz="2600" dirty="0" smtClean="0"/>
-              <a:t>Récupérer le fichier JSON à partir d’une URL</a:t>
+              <a:t>Adapte l’affichage par défaut</a:t>
             </a:r>
             <a:endParaRPr lang="fr-FR" sz="2600" dirty="0"/>
           </a:p>
-          <a:p>
-            <a:pPr>
-              <a:lnSpc>
-                <a:spcPct val="300000"/>
-              </a:lnSpc>
-            </a:pPr>
-            <a:r>
-              <a:rPr lang="fr-FR" sz="2600" dirty="0" smtClean="0"/>
-              <a:t>Lire le fichier JSON récupéré</a:t>
-            </a:r>
-          </a:p>
-        </p:txBody>
-      </p:sp>
-      <p:sp>
-        <p:nvSpPr>
-          <p:cNvPr id="4" name="Espace réservé de la date 3"/>
+        </p:txBody>
+      </p:sp>
+      <p:sp>
+        <p:nvSpPr>
+          <p:cNvPr id="5" name="Espace réservé de la date 4"/>
           <p:cNvSpPr>
             <a:spLocks noGrp="1"/>
           </p:cNvSpPr>
@@ -14689,7 +15178,7 @@
       </p:sp>
       <p:sp>
         <p:nvSpPr>
-          <p:cNvPr id="5" name="Espace réservé du pied de page 4"/>
+          <p:cNvPr id="6" name="Espace réservé du pied de page 5"/>
           <p:cNvSpPr>
             <a:spLocks noGrp="1"/>
           </p:cNvSpPr>
@@ -14712,7 +15201,7 @@
       </p:sp>
       <p:sp>
         <p:nvSpPr>
-          <p:cNvPr id="6" name="Espace réservé du numéro de diapositive 5"/>
+          <p:cNvPr id="7" name="Espace réservé du numéro de diapositive 6"/>
           <p:cNvSpPr>
             <a:spLocks noGrp="1"/>
           </p:cNvSpPr>
@@ -14736,7 +15225,7 @@
     </p:spTree>
     <p:extLst>
       <p:ext uri="{BB962C8B-B14F-4D97-AF65-F5344CB8AC3E}">
-        <p14:creationId xmlns:p14="http://schemas.microsoft.com/office/powerpoint/2010/main" val="2752890312"/>
+        <p14:creationId xmlns:p14="http://schemas.microsoft.com/office/powerpoint/2010/main" val="2418377265"/>
       </p:ext>
     </p:extLst>
   </p:cSld>
@@ -14931,109 +15420,6 @@
                                           <p:spTgt spid="3">
                                             <p:txEl>
                                               <p:pRg st="1" end="1"/>
-                                            </p:txEl>
-                                          </p:spTgt>
-                                        </p:tgtEl>
-                                        <p:attrNameLst>
-                                          <p:attrName>ppt_y</p:attrName>
-                                        </p:attrNameLst>
-                                      </p:cBhvr>
-                                      <p:tavLst>
-                                        <p:tav tm="0">
-                                          <p:val>
-                                            <p:strVal val="1+#ppt_h/2"/>
-                                          </p:val>
-                                        </p:tav>
-                                        <p:tav tm="100000">
-                                          <p:val>
-                                            <p:strVal val="#ppt_y"/>
-                                          </p:val>
-                                        </p:tav>
-                                      </p:tavLst>
-                                    </p:anim>
-                                  </p:childTnLst>
-                                </p:cTn>
-                              </p:par>
-                            </p:childTnLst>
-                          </p:cTn>
-                        </p:par>
-                      </p:childTnLst>
-                    </p:cTn>
-                  </p:par>
-                  <p:par>
-                    <p:cTn id="15" fill="hold">
-                      <p:stCondLst>
-                        <p:cond delay="indefinite"/>
-                      </p:stCondLst>
-                      <p:childTnLst>
-                        <p:par>
-                          <p:cTn id="16" fill="hold">
-                            <p:stCondLst>
-                              <p:cond delay="0"/>
-                            </p:stCondLst>
-                            <p:childTnLst>
-                              <p:par>
-                                <p:cTn id="17" presetID="2" presetClass="entr" presetSubtype="4" fill="hold" nodeType="clickEffect">
-                                  <p:stCondLst>
-                                    <p:cond delay="0"/>
-                                  </p:stCondLst>
-                                  <p:childTnLst>
-                                    <p:set>
-                                      <p:cBhvr>
-                                        <p:cTn id="18" dur="1" fill="hold">
-                                          <p:stCondLst>
-                                            <p:cond delay="0"/>
-                                          </p:stCondLst>
-                                        </p:cTn>
-                                        <p:tgtEl>
-                                          <p:spTgt spid="3">
-                                            <p:txEl>
-                                              <p:pRg st="2" end="2"/>
-                                            </p:txEl>
-                                          </p:spTgt>
-                                        </p:tgtEl>
-                                        <p:attrNameLst>
-                                          <p:attrName>style.visibility</p:attrName>
-                                        </p:attrNameLst>
-                                      </p:cBhvr>
-                                      <p:to>
-                                        <p:strVal val="visible"/>
-                                      </p:to>
-                                    </p:set>
-                                    <p:anim calcmode="lin" valueType="num">
-                                      <p:cBhvr additive="base">
-                                        <p:cTn id="19" dur="500" fill="hold"/>
-                                        <p:tgtEl>
-                                          <p:spTgt spid="3">
-                                            <p:txEl>
-                                              <p:pRg st="2" end="2"/>
-                                            </p:txEl>
-                                          </p:spTgt>
-                                        </p:tgtEl>
-                                        <p:attrNameLst>
-                                          <p:attrName>ppt_x</p:attrName>
-                                        </p:attrNameLst>
-                                      </p:cBhvr>
-                                      <p:tavLst>
-                                        <p:tav tm="0">
-                                          <p:val>
-                                            <p:strVal val="#ppt_x"/>
-                                          </p:val>
-                                        </p:tav>
-                                        <p:tav tm="100000">
-                                          <p:val>
-                                            <p:strVal val="#ppt_x"/>
-                                          </p:val>
-                                        </p:tav>
-                                      </p:tavLst>
-                                    </p:anim>
-                                    <p:anim calcmode="lin" valueType="num">
-                                      <p:cBhvr additive="base">
-                                        <p:cTn id="20" dur="500" fill="hold"/>
-                                        <p:tgtEl>
-                                          <p:spTgt spid="3">
-                                            <p:txEl>
-                                              <p:pRg st="2" end="2"/>
                                             </p:txEl>
                                           </p:spTgt>
                                         </p:tgtEl>

--- a/Projet ArchiWeb.pptx
+++ b/Projet ArchiWeb.pptx
@@ -9554,8 +9554,8 @@
         </p:blipFill>
         <p:spPr>
           <a:xfrm>
-            <a:off x="786697" y="2420887"/>
-            <a:ext cx="7570606" cy="3539645"/>
+            <a:off x="1763688" y="2420888"/>
+            <a:ext cx="5904656" cy="3539645"/>
           </a:xfrm>
           <a:prstGeom prst="rect">
             <a:avLst/>

--- a/Projet ArchiWeb.pptx
+++ b/Projet ArchiWeb.pptx
@@ -224,7 +224,7 @@
           <a:p>
             <a:fld id="{BC09F416-0886-4053-A5EC-0C3686C8F540}" type="datetimeFigureOut">
               <a:rPr lang="fr-FR" smtClean="0"/>
-              <a:t>17/05/2015</a:t>
+              <a:t>18/05/2015</a:t>
             </a:fld>
             <a:endParaRPr lang="fr-FR"/>
           </a:p>
@@ -1133,6 +1133,19 @@
             <a:r>
               <a:rPr lang="fr-FR" dirty="0" smtClean="0"/>
               <a:t>Antoine</a:t>
+            </a:r>
+          </a:p>
+          <a:p>
+            <a:endParaRPr lang="fr-FR" dirty="0" smtClean="0"/>
+          </a:p>
+          <a:p>
+            <a:r>
+              <a:rPr lang="fr-FR" dirty="0" err="1" smtClean="0"/>
+              <a:t>Exp</a:t>
+            </a:r>
+            <a:r>
+              <a:rPr lang="fr-FR" baseline="0" dirty="0" smtClean="0"/>
+              <a:t> enrichissante: nouvelle techno </a:t>
             </a:r>
             <a:endParaRPr lang="fr-FR" dirty="0"/>
           </a:p>
@@ -9120,7 +9133,7 @@
                                         <p:tgtEl>
                                           <p:spTgt spid="3">
                                             <p:txEl>
-                                              <p:pRg st="1" end="1"/>
+                                              <p:pRg st="0" end="0"/>
                                             </p:txEl>
                                           </p:spTgt>
                                         </p:tgtEl>
@@ -9138,7 +9151,7 @@
                                         <p:tgtEl>
                                           <p:spTgt spid="3">
                                             <p:txEl>
-                                              <p:pRg st="1" end="1"/>
+                                              <p:pRg st="0" end="0"/>
                                             </p:txEl>
                                           </p:spTgt>
                                         </p:tgtEl>
@@ -9165,7 +9178,7 @@
                                         <p:tgtEl>
                                           <p:spTgt spid="3">
                                             <p:txEl>
-                                              <p:pRg st="1" end="1"/>
+                                              <p:pRg st="0" end="0"/>
                                             </p:txEl>
                                           </p:spTgt>
                                         </p:tgtEl>
@@ -9223,7 +9236,7 @@
                                         <p:tgtEl>
                                           <p:spTgt spid="3">
                                             <p:txEl>
-                                              <p:pRg st="0" end="0"/>
+                                              <p:pRg st="1" end="1"/>
                                             </p:txEl>
                                           </p:spTgt>
                                         </p:tgtEl>
@@ -9241,7 +9254,7 @@
                                         <p:tgtEl>
                                           <p:spTgt spid="3">
                                             <p:txEl>
-                                              <p:pRg st="0" end="0"/>
+                                              <p:pRg st="1" end="1"/>
                                             </p:txEl>
                                           </p:spTgt>
                                         </p:tgtEl>
@@ -9268,7 +9281,7 @@
                                         <p:tgtEl>
                                           <p:spTgt spid="3">
                                             <p:txEl>
-                                              <p:pRg st="0" end="0"/>
+                                              <p:pRg st="1" end="1"/>
                                             </p:txEl>
                                           </p:spTgt>
                                         </p:tgtEl>
@@ -9534,14 +9547,14 @@
       </p:sp>
       <p:pic>
         <p:nvPicPr>
-          <p:cNvPr id="2" name="Image 1"/>
+          <p:cNvPr id="4" name="Image 3"/>
           <p:cNvPicPr>
             <a:picLocks noChangeAspect="1"/>
           </p:cNvPicPr>
           <p:nvPr/>
         </p:nvPicPr>
         <p:blipFill>
-          <a:blip r:embed="rId3">
+          <a:blip r:embed="rId3" cstate="print">
             <a:extLst>
               <a:ext uri="{28A0092B-C50C-407E-A947-70E740481C1C}">
                 <a14:useLocalDpi xmlns:a14="http://schemas.microsoft.com/office/drawing/2010/main" val="0"/>
@@ -9554,8 +9567,8 @@
         </p:blipFill>
         <p:spPr>
           <a:xfrm>
-            <a:off x="1763688" y="2420888"/>
-            <a:ext cx="5904656" cy="3539645"/>
+            <a:off x="1866321" y="2367745"/>
+            <a:ext cx="5419824" cy="3592788"/>
           </a:xfrm>
           <a:prstGeom prst="rect">
             <a:avLst/>
@@ -9649,10 +9662,18 @@
           <a:lstStyle/>
           <a:p>
             <a:r>
-              <a:rPr lang="fr-FR" dirty="0" smtClean="0"/>
+              <a:rPr lang="fr-FR" dirty="0" smtClean="0">
+                <a:solidFill>
+                  <a:schemeClr val="bg1"/>
+                </a:solidFill>
+              </a:rPr>
               <a:t>Bradai - Curtet - Morbois</a:t>
             </a:r>
-            <a:endParaRPr lang="fr-FR" dirty="0"/>
+            <a:endParaRPr lang="fr-FR" dirty="0">
+              <a:solidFill>
+                <a:schemeClr val="bg1"/>
+              </a:solidFill>
+            </a:endParaRPr>
           </a:p>
         </p:txBody>
       </p:sp>
@@ -9807,8 +9828,25 @@
             </a:pPr>
             <a:r>
               <a:rPr lang="fr-FR" sz="2600" dirty="0" smtClean="0"/>
-              <a:t>Intégration de la carte</a:t>
-            </a:r>
+              <a:t>Intégration de la </a:t>
+            </a:r>
+            <a:r>
+              <a:rPr lang="fr-FR" sz="2600" dirty="0" smtClean="0"/>
+              <a:t>carte</a:t>
+            </a:r>
+            <a:endParaRPr lang="fr-FR" sz="2600" dirty="0"/>
+          </a:p>
+          <a:p>
+            <a:pPr>
+              <a:lnSpc>
+                <a:spcPct val="250000"/>
+              </a:lnSpc>
+            </a:pPr>
+            <a:r>
+              <a:rPr lang="fr-FR" sz="2600" dirty="0" smtClean="0"/>
+              <a:t>Intégration pop-up</a:t>
+            </a:r>
+            <a:endParaRPr lang="fr-FR" sz="2600" dirty="0" smtClean="0"/>
           </a:p>
         </p:txBody>
       </p:sp>
@@ -10070,6 +10108,109 @@
                                           <p:spTgt spid="2">
                                             <p:txEl>
                                               <p:pRg st="1" end="1"/>
+                                            </p:txEl>
+                                          </p:spTgt>
+                                        </p:tgtEl>
+                                        <p:attrNameLst>
+                                          <p:attrName>ppt_y</p:attrName>
+                                        </p:attrNameLst>
+                                      </p:cBhvr>
+                                      <p:tavLst>
+                                        <p:tav tm="0">
+                                          <p:val>
+                                            <p:strVal val="1+#ppt_h/2"/>
+                                          </p:val>
+                                        </p:tav>
+                                        <p:tav tm="100000">
+                                          <p:val>
+                                            <p:strVal val="#ppt_y"/>
+                                          </p:val>
+                                        </p:tav>
+                                      </p:tavLst>
+                                    </p:anim>
+                                  </p:childTnLst>
+                                </p:cTn>
+                              </p:par>
+                            </p:childTnLst>
+                          </p:cTn>
+                        </p:par>
+                      </p:childTnLst>
+                    </p:cTn>
+                  </p:par>
+                  <p:par>
+                    <p:cTn id="15" fill="hold">
+                      <p:stCondLst>
+                        <p:cond delay="indefinite"/>
+                      </p:stCondLst>
+                      <p:childTnLst>
+                        <p:par>
+                          <p:cTn id="16" fill="hold">
+                            <p:stCondLst>
+                              <p:cond delay="0"/>
+                            </p:stCondLst>
+                            <p:childTnLst>
+                              <p:par>
+                                <p:cTn id="17" presetID="2" presetClass="entr" presetSubtype="4" fill="hold" nodeType="clickEffect">
+                                  <p:stCondLst>
+                                    <p:cond delay="0"/>
+                                  </p:stCondLst>
+                                  <p:childTnLst>
+                                    <p:set>
+                                      <p:cBhvr>
+                                        <p:cTn id="18" dur="1" fill="hold">
+                                          <p:stCondLst>
+                                            <p:cond delay="0"/>
+                                          </p:stCondLst>
+                                        </p:cTn>
+                                        <p:tgtEl>
+                                          <p:spTgt spid="2">
+                                            <p:txEl>
+                                              <p:pRg st="2" end="2"/>
+                                            </p:txEl>
+                                          </p:spTgt>
+                                        </p:tgtEl>
+                                        <p:attrNameLst>
+                                          <p:attrName>style.visibility</p:attrName>
+                                        </p:attrNameLst>
+                                      </p:cBhvr>
+                                      <p:to>
+                                        <p:strVal val="visible"/>
+                                      </p:to>
+                                    </p:set>
+                                    <p:anim calcmode="lin" valueType="num">
+                                      <p:cBhvr additive="base">
+                                        <p:cTn id="19" dur="500" fill="hold"/>
+                                        <p:tgtEl>
+                                          <p:spTgt spid="2">
+                                            <p:txEl>
+                                              <p:pRg st="2" end="2"/>
+                                            </p:txEl>
+                                          </p:spTgt>
+                                        </p:tgtEl>
+                                        <p:attrNameLst>
+                                          <p:attrName>ppt_x</p:attrName>
+                                        </p:attrNameLst>
+                                      </p:cBhvr>
+                                      <p:tavLst>
+                                        <p:tav tm="0">
+                                          <p:val>
+                                            <p:strVal val="#ppt_x"/>
+                                          </p:val>
+                                        </p:tav>
+                                        <p:tav tm="100000">
+                                          <p:val>
+                                            <p:strVal val="#ppt_x"/>
+                                          </p:val>
+                                        </p:tav>
+                                      </p:tavLst>
+                                    </p:anim>
+                                    <p:anim calcmode="lin" valueType="num">
+                                      <p:cBhvr additive="base">
+                                        <p:cTn id="20" dur="500" fill="hold"/>
+                                        <p:tgtEl>
+                                          <p:spTgt spid="2">
+                                            <p:txEl>
+                                              <p:pRg st="2" end="2"/>
                                             </p:txEl>
                                           </p:spTgt>
                                         </p:tgtEl>
@@ -11225,10 +11366,18 @@
           <a:lstStyle/>
           <a:p>
             <a:r>
-              <a:rPr lang="fr-FR" dirty="0" smtClean="0"/>
+              <a:rPr lang="fr-FR" dirty="0" smtClean="0">
+                <a:solidFill>
+                  <a:schemeClr val="bg1"/>
+                </a:solidFill>
+              </a:rPr>
               <a:t>Bradai - Curtet - Morbois</a:t>
             </a:r>
-            <a:endParaRPr lang="fr-FR" dirty="0"/>
+            <a:endParaRPr lang="fr-FR" dirty="0">
+              <a:solidFill>
+                <a:schemeClr val="bg1"/>
+              </a:solidFill>
+            </a:endParaRPr>
           </a:p>
         </p:txBody>
       </p:sp>
@@ -13671,10 +13820,18 @@
           <a:lstStyle/>
           <a:p>
             <a:r>
-              <a:rPr lang="fr-FR" dirty="0" smtClean="0"/>
+              <a:rPr lang="fr-FR" dirty="0" smtClean="0">
+                <a:solidFill>
+                  <a:schemeClr val="bg1"/>
+                </a:solidFill>
+              </a:rPr>
               <a:t>Bradai - Curtet - Morbois</a:t>
             </a:r>
-            <a:endParaRPr lang="fr-FR" dirty="0"/>
+            <a:endParaRPr lang="fr-FR" dirty="0">
+              <a:solidFill>
+                <a:schemeClr val="bg1"/>
+              </a:solidFill>
+            </a:endParaRPr>
           </a:p>
         </p:txBody>
       </p:sp>
